--- a/PM-04-main/documents/MDK.pptx
+++ b/PM-04-main/documents/MDK.pptx
@@ -10,14 +10,15 @@
     <p:sldId id="280" r:id="rId4"/>
     <p:sldId id="267" r:id="rId5"/>
     <p:sldId id="268" r:id="rId6"/>
-    <p:sldId id="273" r:id="rId7"/>
-    <p:sldId id="271" r:id="rId8"/>
-    <p:sldId id="270" r:id="rId9"/>
-    <p:sldId id="279" r:id="rId10"/>
-    <p:sldId id="264" r:id="rId11"/>
-    <p:sldId id="277" r:id="rId12"/>
-    <p:sldId id="276" r:id="rId13"/>
-    <p:sldId id="278" r:id="rId14"/>
+    <p:sldId id="281" r:id="rId7"/>
+    <p:sldId id="273" r:id="rId8"/>
+    <p:sldId id="271" r:id="rId9"/>
+    <p:sldId id="270" r:id="rId10"/>
+    <p:sldId id="279" r:id="rId11"/>
+    <p:sldId id="264" r:id="rId12"/>
+    <p:sldId id="277" r:id="rId13"/>
+    <p:sldId id="276" r:id="rId14"/>
+    <p:sldId id="278" r:id="rId15"/>
   </p:sldIdLst>
   <p:sldSz cx="12192000" cy="6858000"/>
   <p:notesSz cx="6858000" cy="9144000"/>
@@ -193,7 +194,7 @@
           <a:noFill/>
           <a:extLst>
             <a:ext uri="{909E8E84-426E-40dd-AFC4-6F175D3DCCD1}">
-              <a14:hiddenFill xmlns:a14="http://schemas.microsoft.com/office/drawing/2010/main" xmlns="">
+              <a14:hiddenFill xmlns="" xmlns:a14="http://schemas.microsoft.com/office/drawing/2010/main">
                 <a:solidFill>
                   <a:srgbClr val="FFFFFF"/>
                 </a:solidFill>
@@ -253,7 +254,7 @@
             </a:ln>
             <a:extLst>
               <a:ext uri="{91240B29-F687-4f45-9708-019B960494DF}">
-                <a14:hiddenLine xmlns:a14="http://schemas.microsoft.com/office/drawing/2010/main" xmlns="" w="9525">
+                <a14:hiddenLine xmlns="" xmlns:a14="http://schemas.microsoft.com/office/drawing/2010/main" w="9525">
                   <a:solidFill>
                     <a:srgbClr val="000000"/>
                   </a:solidFill>
@@ -343,7 +344,7 @@
             </a:ln>
             <a:extLst>
               <a:ext uri="{91240B29-F687-4f45-9708-019B960494DF}">
-                <a14:hiddenLine xmlns:a14="http://schemas.microsoft.com/office/drawing/2010/main" xmlns="" w="9525">
+                <a14:hiddenLine xmlns="" xmlns:a14="http://schemas.microsoft.com/office/drawing/2010/main" w="9525">
                   <a:solidFill>
                     <a:srgbClr val="000000"/>
                   </a:solidFill>
@@ -433,7 +434,7 @@
             </a:ln>
             <a:extLst>
               <a:ext uri="{91240B29-F687-4f45-9708-019B960494DF}">
-                <a14:hiddenLine xmlns:a14="http://schemas.microsoft.com/office/drawing/2010/main" xmlns="" w="9525">
+                <a14:hiddenLine xmlns="" xmlns:a14="http://schemas.microsoft.com/office/drawing/2010/main" w="9525">
                   <a:solidFill>
                     <a:srgbClr val="000000"/>
                   </a:solidFill>
@@ -467,7 +468,7 @@
             </a:ln>
             <a:extLst>
               <a:ext uri="{91240B29-F687-4f45-9708-019B960494DF}">
-                <a14:hiddenLine xmlns:a14="http://schemas.microsoft.com/office/drawing/2010/main" xmlns="" w="9525">
+                <a14:hiddenLine xmlns="" xmlns:a14="http://schemas.microsoft.com/office/drawing/2010/main" w="9525">
                   <a:solidFill>
                     <a:srgbClr val="000000"/>
                   </a:solidFill>
@@ -557,7 +558,7 @@
             </a:ln>
             <a:extLst>
               <a:ext uri="{91240B29-F687-4f45-9708-019B960494DF}">
-                <a14:hiddenLine xmlns:a14="http://schemas.microsoft.com/office/drawing/2010/main" xmlns="" w="9525">
+                <a14:hiddenLine xmlns="" xmlns:a14="http://schemas.microsoft.com/office/drawing/2010/main" w="9525">
                   <a:solidFill>
                     <a:srgbClr val="000000"/>
                   </a:solidFill>
@@ -619,7 +620,7 @@
             </a:ln>
             <a:extLst>
               <a:ext uri="{91240B29-F687-4f45-9708-019B960494DF}">
-                <a14:hiddenLine xmlns:a14="http://schemas.microsoft.com/office/drawing/2010/main" xmlns="" w="9525">
+                <a14:hiddenLine xmlns="" xmlns:a14="http://schemas.microsoft.com/office/drawing/2010/main" w="9525">
                   <a:solidFill>
                     <a:srgbClr val="000000"/>
                   </a:solidFill>
@@ -681,7 +682,7 @@
             </a:ln>
             <a:extLst>
               <a:ext uri="{91240B29-F687-4f45-9708-019B960494DF}">
-                <a14:hiddenLine xmlns:a14="http://schemas.microsoft.com/office/drawing/2010/main" xmlns="" w="9525">
+                <a14:hiddenLine xmlns="" xmlns:a14="http://schemas.microsoft.com/office/drawing/2010/main" w="9525">
                   <a:solidFill>
                     <a:srgbClr val="000000"/>
                   </a:solidFill>
@@ -771,7 +772,7 @@
             </a:ln>
             <a:extLst>
               <a:ext uri="{91240B29-F687-4f45-9708-019B960494DF}">
-                <a14:hiddenLine xmlns:a14="http://schemas.microsoft.com/office/drawing/2010/main" xmlns="" w="9525">
+                <a14:hiddenLine xmlns="" xmlns:a14="http://schemas.microsoft.com/office/drawing/2010/main" w="9525">
                   <a:solidFill>
                     <a:srgbClr val="000000"/>
                   </a:solidFill>
@@ -833,7 +834,7 @@
             </a:ln>
             <a:extLst>
               <a:ext uri="{91240B29-F687-4f45-9708-019B960494DF}">
-                <a14:hiddenLine xmlns:a14="http://schemas.microsoft.com/office/drawing/2010/main" xmlns="" w="9525">
+                <a14:hiddenLine xmlns="" xmlns:a14="http://schemas.microsoft.com/office/drawing/2010/main" w="9525">
                   <a:solidFill>
                     <a:srgbClr val="000000"/>
                   </a:solidFill>
@@ -895,7 +896,7 @@
             </a:ln>
             <a:extLst>
               <a:ext uri="{91240B29-F687-4f45-9708-019B960494DF}">
-                <a14:hiddenLine xmlns:a14="http://schemas.microsoft.com/office/drawing/2010/main" xmlns="" w="9525">
+                <a14:hiddenLine xmlns="" xmlns:a14="http://schemas.microsoft.com/office/drawing/2010/main" w="9525">
                   <a:solidFill>
                     <a:srgbClr val="000000"/>
                   </a:solidFill>
@@ -985,7 +986,7 @@
             </a:ln>
             <a:extLst>
               <a:ext uri="{91240B29-F687-4f45-9708-019B960494DF}">
-                <a14:hiddenLine xmlns:a14="http://schemas.microsoft.com/office/drawing/2010/main" xmlns="" w="9525">
+                <a14:hiddenLine xmlns="" xmlns:a14="http://schemas.microsoft.com/office/drawing/2010/main" w="9525">
                   <a:solidFill>
                     <a:srgbClr val="000000"/>
                   </a:solidFill>
@@ -1075,7 +1076,7 @@
             </a:ln>
             <a:extLst>
               <a:ext uri="{91240B29-F687-4f45-9708-019B960494DF}">
-                <a14:hiddenLine xmlns:a14="http://schemas.microsoft.com/office/drawing/2010/main" xmlns="" w="9525">
+                <a14:hiddenLine xmlns="" xmlns:a14="http://schemas.microsoft.com/office/drawing/2010/main" w="9525">
                   <a:solidFill>
                     <a:srgbClr val="000000"/>
                   </a:solidFill>
@@ -1137,7 +1138,7 @@
             </a:ln>
             <a:extLst>
               <a:ext uri="{91240B29-F687-4f45-9708-019B960494DF}">
-                <a14:hiddenLine xmlns:a14="http://schemas.microsoft.com/office/drawing/2010/main" xmlns="" w="9525">
+                <a14:hiddenLine xmlns="" xmlns:a14="http://schemas.microsoft.com/office/drawing/2010/main" w="9525">
                   <a:solidFill>
                     <a:srgbClr val="000000"/>
                   </a:solidFill>
@@ -1247,7 +1248,7 @@
             </a:ln>
             <a:extLst>
               <a:ext uri="{91240B29-F687-4f45-9708-019B960494DF}">
-                <a14:hiddenLine xmlns:a14="http://schemas.microsoft.com/office/drawing/2010/main" xmlns="" w="9525">
+                <a14:hiddenLine xmlns="" xmlns:a14="http://schemas.microsoft.com/office/drawing/2010/main" w="9525">
                   <a:solidFill>
                     <a:srgbClr val="000000"/>
                   </a:solidFill>
@@ -1309,7 +1310,7 @@
             </a:ln>
             <a:extLst>
               <a:ext uri="{91240B29-F687-4f45-9708-019B960494DF}">
-                <a14:hiddenLine xmlns:a14="http://schemas.microsoft.com/office/drawing/2010/main" xmlns="" w="9525">
+                <a14:hiddenLine xmlns="" xmlns:a14="http://schemas.microsoft.com/office/drawing/2010/main" w="9525">
                   <a:solidFill>
                     <a:srgbClr val="000000"/>
                   </a:solidFill>
@@ -1399,7 +1400,7 @@
             </a:ln>
             <a:extLst>
               <a:ext uri="{91240B29-F687-4f45-9708-019B960494DF}">
-                <a14:hiddenLine xmlns:a14="http://schemas.microsoft.com/office/drawing/2010/main" xmlns="" w="9525">
+                <a14:hiddenLine xmlns="" xmlns:a14="http://schemas.microsoft.com/office/drawing/2010/main" w="9525">
                   <a:solidFill>
                     <a:srgbClr val="000000"/>
                   </a:solidFill>
@@ -1489,7 +1490,7 @@
             </a:ln>
             <a:extLst>
               <a:ext uri="{91240B29-F687-4f45-9708-019B960494DF}">
-                <a14:hiddenLine xmlns:a14="http://schemas.microsoft.com/office/drawing/2010/main" xmlns="" w="9525">
+                <a14:hiddenLine xmlns="" xmlns:a14="http://schemas.microsoft.com/office/drawing/2010/main" w="9525">
                   <a:solidFill>
                     <a:srgbClr val="000000"/>
                   </a:solidFill>
@@ -1551,7 +1552,7 @@
             </a:ln>
             <a:extLst>
               <a:ext uri="{91240B29-F687-4f45-9708-019B960494DF}">
-                <a14:hiddenLine xmlns:a14="http://schemas.microsoft.com/office/drawing/2010/main" xmlns="" w="9525">
+                <a14:hiddenLine xmlns="" xmlns:a14="http://schemas.microsoft.com/office/drawing/2010/main" w="9525">
                   <a:solidFill>
                     <a:srgbClr val="000000"/>
                   </a:solidFill>
@@ -1641,7 +1642,7 @@
             </a:ln>
             <a:extLst>
               <a:ext uri="{91240B29-F687-4f45-9708-019B960494DF}">
-                <a14:hiddenLine xmlns:a14="http://schemas.microsoft.com/office/drawing/2010/main" xmlns="" w="9525">
+                <a14:hiddenLine xmlns="" xmlns:a14="http://schemas.microsoft.com/office/drawing/2010/main" w="9525">
                   <a:solidFill>
                     <a:srgbClr val="000000"/>
                   </a:solidFill>
@@ -1731,7 +1732,7 @@
             </a:ln>
             <a:extLst>
               <a:ext uri="{91240B29-F687-4f45-9708-019B960494DF}">
-                <a14:hiddenLine xmlns:a14="http://schemas.microsoft.com/office/drawing/2010/main" xmlns="" w="9525">
+                <a14:hiddenLine xmlns="" xmlns:a14="http://schemas.microsoft.com/office/drawing/2010/main" w="9525">
                   <a:solidFill>
                     <a:srgbClr val="000000"/>
                   </a:solidFill>
@@ -1787,7 +1788,7 @@
             </a:ln>
             <a:extLst>
               <a:ext uri="{91240B29-F687-4f45-9708-019B960494DF}">
-                <a14:hiddenLine xmlns:a14="http://schemas.microsoft.com/office/drawing/2010/main" xmlns="" w="9525">
+                <a14:hiddenLine xmlns="" xmlns:a14="http://schemas.microsoft.com/office/drawing/2010/main" w="9525">
                   <a:solidFill>
                     <a:srgbClr val="000000"/>
                   </a:solidFill>
@@ -1877,7 +1878,7 @@
             </a:ln>
             <a:extLst>
               <a:ext uri="{91240B29-F687-4f45-9708-019B960494DF}">
-                <a14:hiddenLine xmlns:a14="http://schemas.microsoft.com/office/drawing/2010/main" xmlns="" w="9525">
+                <a14:hiddenLine xmlns="" xmlns:a14="http://schemas.microsoft.com/office/drawing/2010/main" w="9525">
                   <a:solidFill>
                     <a:srgbClr val="000000"/>
                   </a:solidFill>
@@ -1933,7 +1934,7 @@
             </a:ln>
             <a:extLst>
               <a:ext uri="{91240B29-F687-4f45-9708-019B960494DF}">
-                <a14:hiddenLine xmlns:a14="http://schemas.microsoft.com/office/drawing/2010/main" xmlns="" w="9525">
+                <a14:hiddenLine xmlns="" xmlns:a14="http://schemas.microsoft.com/office/drawing/2010/main" w="9525">
                   <a:solidFill>
                     <a:srgbClr val="000000"/>
                   </a:solidFill>
@@ -2023,7 +2024,7 @@
             </a:ln>
             <a:extLst>
               <a:ext uri="{91240B29-F687-4f45-9708-019B960494DF}">
-                <a14:hiddenLine xmlns:a14="http://schemas.microsoft.com/office/drawing/2010/main" xmlns="" w="9525">
+                <a14:hiddenLine xmlns="" xmlns:a14="http://schemas.microsoft.com/office/drawing/2010/main" w="9525">
                   <a:solidFill>
                     <a:srgbClr val="000000"/>
                   </a:solidFill>
@@ -2091,7 +2092,7 @@
             </a:ln>
             <a:extLst>
               <a:ext uri="{91240B29-F687-4f45-9708-019B960494DF}">
-                <a14:hiddenLine xmlns:a14="http://schemas.microsoft.com/office/drawing/2010/main" xmlns="" w="9525">
+                <a14:hiddenLine xmlns="" xmlns:a14="http://schemas.microsoft.com/office/drawing/2010/main" w="9525">
                   <a:solidFill>
                     <a:srgbClr val="000000"/>
                   </a:solidFill>
@@ -2181,7 +2182,7 @@
             </a:ln>
             <a:extLst>
               <a:ext uri="{91240B29-F687-4f45-9708-019B960494DF}">
-                <a14:hiddenLine xmlns:a14="http://schemas.microsoft.com/office/drawing/2010/main" xmlns="" w="9525">
+                <a14:hiddenLine xmlns="" xmlns:a14="http://schemas.microsoft.com/office/drawing/2010/main" w="9525">
                   <a:solidFill>
                     <a:srgbClr val="000000"/>
                   </a:solidFill>
@@ -2249,7 +2250,7 @@
             </a:ln>
             <a:extLst>
               <a:ext uri="{91240B29-F687-4f45-9708-019B960494DF}">
-                <a14:hiddenLine xmlns:a14="http://schemas.microsoft.com/office/drawing/2010/main" xmlns="" w="9525">
+                <a14:hiddenLine xmlns="" xmlns:a14="http://schemas.microsoft.com/office/drawing/2010/main" w="9525">
                   <a:solidFill>
                     <a:srgbClr val="000000"/>
                   </a:solidFill>
@@ -2339,7 +2340,7 @@
             </a:ln>
             <a:extLst>
               <a:ext uri="{91240B29-F687-4f45-9708-019B960494DF}">
-                <a14:hiddenLine xmlns:a14="http://schemas.microsoft.com/office/drawing/2010/main" xmlns="" w="9525">
+                <a14:hiddenLine xmlns="" xmlns:a14="http://schemas.microsoft.com/office/drawing/2010/main" w="9525">
                   <a:solidFill>
                     <a:srgbClr val="000000"/>
                   </a:solidFill>
@@ -2373,7 +2374,7 @@
             </a:ln>
             <a:extLst>
               <a:ext uri="{91240B29-F687-4f45-9708-019B960494DF}">
-                <a14:hiddenLine xmlns:a14="http://schemas.microsoft.com/office/drawing/2010/main" xmlns="" w="9525">
+                <a14:hiddenLine xmlns="" xmlns:a14="http://schemas.microsoft.com/office/drawing/2010/main" w="9525">
                   <a:solidFill>
                     <a:srgbClr val="000000"/>
                   </a:solidFill>
@@ -2463,7 +2464,7 @@
             </a:ln>
             <a:extLst>
               <a:ext uri="{91240B29-F687-4f45-9708-019B960494DF}">
-                <a14:hiddenLine xmlns:a14="http://schemas.microsoft.com/office/drawing/2010/main" xmlns="" w="9525">
+                <a14:hiddenLine xmlns="" xmlns:a14="http://schemas.microsoft.com/office/drawing/2010/main" w="9525">
                   <a:solidFill>
                     <a:srgbClr val="000000"/>
                   </a:solidFill>
@@ -2525,7 +2526,7 @@
             </a:ln>
             <a:extLst>
               <a:ext uri="{91240B29-F687-4f45-9708-019B960494DF}">
-                <a14:hiddenLine xmlns:a14="http://schemas.microsoft.com/office/drawing/2010/main" xmlns="" w="9525">
+                <a14:hiddenLine xmlns="" xmlns:a14="http://schemas.microsoft.com/office/drawing/2010/main" w="9525">
                   <a:solidFill>
                     <a:srgbClr val="000000"/>
                   </a:solidFill>
@@ -2587,7 +2588,7 @@
             </a:ln>
             <a:extLst>
               <a:ext uri="{91240B29-F687-4f45-9708-019B960494DF}">
-                <a14:hiddenLine xmlns:a14="http://schemas.microsoft.com/office/drawing/2010/main" xmlns="" w="9525">
+                <a14:hiddenLine xmlns="" xmlns:a14="http://schemas.microsoft.com/office/drawing/2010/main" w="9525">
                   <a:solidFill>
                     <a:srgbClr val="000000"/>
                   </a:solidFill>
@@ -2677,7 +2678,7 @@
             </a:ln>
             <a:extLst>
               <a:ext uri="{91240B29-F687-4f45-9708-019B960494DF}">
-                <a14:hiddenLine xmlns:a14="http://schemas.microsoft.com/office/drawing/2010/main" xmlns="" w="9525">
+                <a14:hiddenLine xmlns="" xmlns:a14="http://schemas.microsoft.com/office/drawing/2010/main" w="9525">
                   <a:solidFill>
                     <a:srgbClr val="000000"/>
                   </a:solidFill>
@@ -2745,7 +2746,7 @@
             </a:ln>
             <a:extLst>
               <a:ext uri="{91240B29-F687-4f45-9708-019B960494DF}">
-                <a14:hiddenLine xmlns:a14="http://schemas.microsoft.com/office/drawing/2010/main" xmlns="" w="9525">
+                <a14:hiddenLine xmlns="" xmlns:a14="http://schemas.microsoft.com/office/drawing/2010/main" w="9525">
                   <a:solidFill>
                     <a:srgbClr val="000000"/>
                   </a:solidFill>
@@ -2807,7 +2808,7 @@
             </a:ln>
             <a:extLst>
               <a:ext uri="{91240B29-F687-4f45-9708-019B960494DF}">
-                <a14:hiddenLine xmlns:a14="http://schemas.microsoft.com/office/drawing/2010/main" xmlns="" w="9525">
+                <a14:hiddenLine xmlns="" xmlns:a14="http://schemas.microsoft.com/office/drawing/2010/main" w="9525">
                   <a:solidFill>
                     <a:srgbClr val="000000"/>
                   </a:solidFill>
@@ -2897,7 +2898,7 @@
             </a:ln>
             <a:extLst>
               <a:ext uri="{91240B29-F687-4f45-9708-019B960494DF}">
-                <a14:hiddenLine xmlns:a14="http://schemas.microsoft.com/office/drawing/2010/main" xmlns="" w="9525">
+                <a14:hiddenLine xmlns="" xmlns:a14="http://schemas.microsoft.com/office/drawing/2010/main" w="9525">
                   <a:solidFill>
                     <a:srgbClr val="000000"/>
                   </a:solidFill>
@@ -2959,7 +2960,7 @@
             </a:ln>
             <a:extLst>
               <a:ext uri="{91240B29-F687-4f45-9708-019B960494DF}">
-                <a14:hiddenLine xmlns:a14="http://schemas.microsoft.com/office/drawing/2010/main" xmlns="" w="9525">
+                <a14:hiddenLine xmlns="" xmlns:a14="http://schemas.microsoft.com/office/drawing/2010/main" w="9525">
                   <a:solidFill>
                     <a:srgbClr val="000000"/>
                   </a:solidFill>
@@ -3049,7 +3050,7 @@
             </a:ln>
             <a:extLst>
               <a:ext uri="{91240B29-F687-4f45-9708-019B960494DF}">
-                <a14:hiddenLine xmlns:a14="http://schemas.microsoft.com/office/drawing/2010/main" xmlns="" w="9525">
+                <a14:hiddenLine xmlns="" xmlns:a14="http://schemas.microsoft.com/office/drawing/2010/main" w="9525">
                   <a:solidFill>
                     <a:srgbClr val="000000"/>
                   </a:solidFill>
@@ -3111,7 +3112,7 @@
             </a:ln>
             <a:extLst>
               <a:ext uri="{91240B29-F687-4f45-9708-019B960494DF}">
-                <a14:hiddenLine xmlns:a14="http://schemas.microsoft.com/office/drawing/2010/main" xmlns="" w="9525">
+                <a14:hiddenLine xmlns="" xmlns:a14="http://schemas.microsoft.com/office/drawing/2010/main" w="9525">
                   <a:solidFill>
                     <a:srgbClr val="000000"/>
                   </a:solidFill>
@@ -3201,7 +3202,7 @@
             </a:ln>
             <a:extLst>
               <a:ext uri="{91240B29-F687-4f45-9708-019B960494DF}">
-                <a14:hiddenLine xmlns:a14="http://schemas.microsoft.com/office/drawing/2010/main" xmlns="" w="9525">
+                <a14:hiddenLine xmlns="" xmlns:a14="http://schemas.microsoft.com/office/drawing/2010/main" w="9525">
                   <a:solidFill>
                     <a:srgbClr val="000000"/>
                   </a:solidFill>
@@ -3235,7 +3236,7 @@
             </a:ln>
             <a:extLst>
               <a:ext uri="{91240B29-F687-4f45-9708-019B960494DF}">
-                <a14:hiddenLine xmlns:a14="http://schemas.microsoft.com/office/drawing/2010/main" xmlns="" w="9525">
+                <a14:hiddenLine xmlns="" xmlns:a14="http://schemas.microsoft.com/office/drawing/2010/main" w="9525">
                   <a:solidFill>
                     <a:srgbClr val="000000"/>
                   </a:solidFill>
@@ -3300,7 +3301,7 @@
             </a:ln>
             <a:extLst>
               <a:ext uri="{91240B29-F687-4f45-9708-019B960494DF}">
-                <a14:hiddenLine xmlns:a14="http://schemas.microsoft.com/office/drawing/2010/main" xmlns="" w="9525">
+                <a14:hiddenLine xmlns="" xmlns:a14="http://schemas.microsoft.com/office/drawing/2010/main" w="9525">
                   <a:solidFill>
                     <a:srgbClr val="000000"/>
                   </a:solidFill>
@@ -3390,7 +3391,7 @@
             </a:ln>
             <a:extLst>
               <a:ext uri="{91240B29-F687-4f45-9708-019B960494DF}">
-                <a14:hiddenLine xmlns:a14="http://schemas.microsoft.com/office/drawing/2010/main" xmlns="" w="9525">
+                <a14:hiddenLine xmlns="" xmlns:a14="http://schemas.microsoft.com/office/drawing/2010/main" w="9525">
                   <a:solidFill>
                     <a:srgbClr val="000000"/>
                   </a:solidFill>
@@ -3452,7 +3453,7 @@
             </a:ln>
             <a:extLst>
               <a:ext uri="{91240B29-F687-4f45-9708-019B960494DF}">
-                <a14:hiddenLine xmlns:a14="http://schemas.microsoft.com/office/drawing/2010/main" xmlns="" w="9525">
+                <a14:hiddenLine xmlns="" xmlns:a14="http://schemas.microsoft.com/office/drawing/2010/main" w="9525">
                   <a:solidFill>
                     <a:srgbClr val="000000"/>
                   </a:solidFill>
@@ -3542,7 +3543,7 @@
             </a:ln>
             <a:extLst>
               <a:ext uri="{91240B29-F687-4f45-9708-019B960494DF}">
-                <a14:hiddenLine xmlns:a14="http://schemas.microsoft.com/office/drawing/2010/main" xmlns="" w="9525">
+                <a14:hiddenLine xmlns="" xmlns:a14="http://schemas.microsoft.com/office/drawing/2010/main" w="9525">
                   <a:solidFill>
                     <a:srgbClr val="000000"/>
                   </a:solidFill>
@@ -3632,7 +3633,7 @@
             </a:ln>
             <a:extLst>
               <a:ext uri="{91240B29-F687-4f45-9708-019B960494DF}">
-                <a14:hiddenLine xmlns:a14="http://schemas.microsoft.com/office/drawing/2010/main" xmlns="" w="9525">
+                <a14:hiddenLine xmlns="" xmlns:a14="http://schemas.microsoft.com/office/drawing/2010/main" w="9525">
                   <a:solidFill>
                     <a:srgbClr val="000000"/>
                   </a:solidFill>
@@ -3697,7 +3698,7 @@
             </a:ln>
             <a:extLst>
               <a:ext uri="{91240B29-F687-4f45-9708-019B960494DF}">
-                <a14:hiddenLine xmlns:a14="http://schemas.microsoft.com/office/drawing/2010/main" xmlns="" w="9525">
+                <a14:hiddenLine xmlns="" xmlns:a14="http://schemas.microsoft.com/office/drawing/2010/main" w="9525">
                   <a:solidFill>
                     <a:srgbClr val="000000"/>
                   </a:solidFill>
@@ -3759,7 +3760,7 @@
             </a:ln>
             <a:extLst>
               <a:ext uri="{91240B29-F687-4f45-9708-019B960494DF}">
-                <a14:hiddenLine xmlns:a14="http://schemas.microsoft.com/office/drawing/2010/main" xmlns="" w="9525">
+                <a14:hiddenLine xmlns="" xmlns:a14="http://schemas.microsoft.com/office/drawing/2010/main" w="9525">
                   <a:solidFill>
                     <a:srgbClr val="000000"/>
                   </a:solidFill>
@@ -3849,7 +3850,7 @@
             </a:ln>
             <a:extLst>
               <a:ext uri="{91240B29-F687-4f45-9708-019B960494DF}">
-                <a14:hiddenLine xmlns:a14="http://schemas.microsoft.com/office/drawing/2010/main" xmlns="" w="9525">
+                <a14:hiddenLine xmlns="" xmlns:a14="http://schemas.microsoft.com/office/drawing/2010/main" w="9525">
                   <a:solidFill>
                     <a:srgbClr val="000000"/>
                   </a:solidFill>
@@ -3939,7 +3940,7 @@
             </a:ln>
             <a:extLst>
               <a:ext uri="{91240B29-F687-4f45-9708-019B960494DF}">
-                <a14:hiddenLine xmlns:a14="http://schemas.microsoft.com/office/drawing/2010/main" xmlns="" w="9525">
+                <a14:hiddenLine xmlns="" xmlns:a14="http://schemas.microsoft.com/office/drawing/2010/main" w="9525">
                   <a:solidFill>
                     <a:srgbClr val="000000"/>
                   </a:solidFill>
@@ -4001,7 +4002,7 @@
             </a:ln>
             <a:extLst>
               <a:ext uri="{91240B29-F687-4f45-9708-019B960494DF}">
-                <a14:hiddenLine xmlns:a14="http://schemas.microsoft.com/office/drawing/2010/main" xmlns="" w="9525">
+                <a14:hiddenLine xmlns="" xmlns:a14="http://schemas.microsoft.com/office/drawing/2010/main" w="9525">
                   <a:solidFill>
                     <a:srgbClr val="000000"/>
                   </a:solidFill>
@@ -4121,7 +4122,7 @@
             </a:ln>
             <a:extLst>
               <a:ext uri="{91240B29-F687-4f45-9708-019B960494DF}">
-                <a14:hiddenLine xmlns:a14="http://schemas.microsoft.com/office/drawing/2010/main" xmlns="" w="9525">
+                <a14:hiddenLine xmlns="" xmlns:a14="http://schemas.microsoft.com/office/drawing/2010/main" w="9525">
                   <a:solidFill>
                     <a:srgbClr val="000000"/>
                   </a:solidFill>
@@ -4189,7 +4190,7 @@
             </a:ln>
             <a:extLst>
               <a:ext uri="{91240B29-F687-4f45-9708-019B960494DF}">
-                <a14:hiddenLine xmlns:a14="http://schemas.microsoft.com/office/drawing/2010/main" xmlns="" w="9525">
+                <a14:hiddenLine xmlns="" xmlns:a14="http://schemas.microsoft.com/office/drawing/2010/main" w="9525">
                   <a:solidFill>
                     <a:srgbClr val="000000"/>
                   </a:solidFill>
@@ -4279,7 +4280,7 @@
             </a:ln>
             <a:extLst>
               <a:ext uri="{91240B29-F687-4f45-9708-019B960494DF}">
-                <a14:hiddenLine xmlns:a14="http://schemas.microsoft.com/office/drawing/2010/main" xmlns="" w="9525">
+                <a14:hiddenLine xmlns="" xmlns:a14="http://schemas.microsoft.com/office/drawing/2010/main" w="9525">
                   <a:solidFill>
                     <a:srgbClr val="000000"/>
                   </a:solidFill>
@@ -4419,7 +4420,7 @@
           <a:p>
             <a:fld id="{48A87A34-81AB-432B-8DAE-1953F412C126}" type="datetimeFigureOut">
               <a:rPr lang="en-US" dirty="0"/>
-              <a:t>6/27/2024</a:t>
+              <a:t>6/28/2024</a:t>
             </a:fld>
             <a:endParaRPr lang="en-US" dirty="0"/>
           </a:p>
@@ -4681,7 +4682,7 @@
           <a:p>
             <a:fld id="{48A87A34-81AB-432B-8DAE-1953F412C126}" type="datetimeFigureOut">
               <a:rPr lang="en-US" dirty="0"/>
-              <a:t>6/27/2024</a:t>
+              <a:t>6/28/2024</a:t>
             </a:fld>
             <a:endParaRPr lang="en-US" dirty="0"/>
           </a:p>
@@ -4872,7 +4873,7 @@
           <a:p>
             <a:fld id="{48A87A34-81AB-432B-8DAE-1953F412C126}" type="datetimeFigureOut">
               <a:rPr lang="en-US" dirty="0"/>
-              <a:t>6/27/2024</a:t>
+              <a:t>6/28/2024</a:t>
             </a:fld>
             <a:endParaRPr lang="en-US" dirty="0"/>
           </a:p>
@@ -5130,7 +5131,7 @@
           <a:p>
             <a:fld id="{48A87A34-81AB-432B-8DAE-1953F412C126}" type="datetimeFigureOut">
               <a:rPr lang="en-US" dirty="0"/>
-              <a:t>6/27/2024</a:t>
+              <a:t>6/28/2024</a:t>
             </a:fld>
             <a:endParaRPr lang="en-US" dirty="0"/>
           </a:p>
@@ -5559,7 +5560,7 @@
           <a:p>
             <a:fld id="{48A87A34-81AB-432B-8DAE-1953F412C126}" type="datetimeFigureOut">
               <a:rPr lang="en-US" dirty="0"/>
-              <a:t>6/27/2024</a:t>
+              <a:t>6/28/2024</a:t>
             </a:fld>
             <a:endParaRPr lang="en-US" dirty="0"/>
           </a:p>
@@ -6100,7 +6101,7 @@
           <a:p>
             <a:fld id="{48A87A34-81AB-432B-8DAE-1953F412C126}" type="datetimeFigureOut">
               <a:rPr lang="en-US" dirty="0"/>
-              <a:t>6/27/2024</a:t>
+              <a:t>6/28/2024</a:t>
             </a:fld>
             <a:endParaRPr lang="en-US" dirty="0"/>
           </a:p>
@@ -6815,7 +6816,7 @@
           <a:p>
             <a:fld id="{48A87A34-81AB-432B-8DAE-1953F412C126}" type="datetimeFigureOut">
               <a:rPr lang="en-US" dirty="0"/>
-              <a:t>6/27/2024</a:t>
+              <a:t>6/28/2024</a:t>
             </a:fld>
             <a:endParaRPr lang="en-US" dirty="0"/>
           </a:p>
@@ -6980,7 +6981,7 @@
           <a:p>
             <a:fld id="{48A87A34-81AB-432B-8DAE-1953F412C126}" type="datetimeFigureOut">
               <a:rPr lang="en-US" dirty="0"/>
-              <a:t>6/27/2024</a:t>
+              <a:t>6/28/2024</a:t>
             </a:fld>
             <a:endParaRPr lang="en-US" dirty="0"/>
           </a:p>
@@ -7155,7 +7156,7 @@
           <a:p>
             <a:fld id="{48A87A34-81AB-432B-8DAE-1953F412C126}" type="datetimeFigureOut">
               <a:rPr lang="en-US" dirty="0"/>
-              <a:t>6/27/2024</a:t>
+              <a:t>6/28/2024</a:t>
             </a:fld>
             <a:endParaRPr lang="en-US" dirty="0"/>
           </a:p>
@@ -7320,7 +7321,7 @@
           <a:p>
             <a:fld id="{48A87A34-81AB-432B-8DAE-1953F412C126}" type="datetimeFigureOut">
               <a:rPr lang="en-US" dirty="0"/>
-              <a:t>6/27/2024</a:t>
+              <a:t>6/28/2024</a:t>
             </a:fld>
             <a:endParaRPr lang="en-US" dirty="0"/>
           </a:p>
@@ -7565,7 +7566,7 @@
           <a:p>
             <a:fld id="{48A87A34-81AB-432B-8DAE-1953F412C126}" type="datetimeFigureOut">
               <a:rPr lang="en-US" dirty="0"/>
-              <a:t>6/27/2024</a:t>
+              <a:t>6/28/2024</a:t>
             </a:fld>
             <a:endParaRPr lang="en-US" dirty="0"/>
           </a:p>
@@ -7792,7 +7793,7 @@
           <a:p>
             <a:fld id="{48A87A34-81AB-432B-8DAE-1953F412C126}" type="datetimeFigureOut">
               <a:rPr lang="en-US" dirty="0"/>
-              <a:t>6/27/2024</a:t>
+              <a:t>6/28/2024</a:t>
             </a:fld>
             <a:endParaRPr lang="en-US" dirty="0"/>
           </a:p>
@@ -8168,7 +8169,7 @@
           <a:p>
             <a:fld id="{48A87A34-81AB-432B-8DAE-1953F412C126}" type="datetimeFigureOut">
               <a:rPr lang="en-US" dirty="0"/>
-              <a:t>6/27/2024</a:t>
+              <a:t>6/28/2024</a:t>
             </a:fld>
             <a:endParaRPr lang="en-US" dirty="0"/>
           </a:p>
@@ -8281,7 +8282,7 @@
           <a:p>
             <a:fld id="{48A87A34-81AB-432B-8DAE-1953F412C126}" type="datetimeFigureOut">
               <a:rPr lang="en-US" dirty="0"/>
-              <a:t>6/27/2024</a:t>
+              <a:t>6/28/2024</a:t>
             </a:fld>
             <a:endParaRPr lang="en-US" dirty="0"/>
           </a:p>
@@ -8371,7 +8372,7 @@
           <a:p>
             <a:fld id="{48A87A34-81AB-432B-8DAE-1953F412C126}" type="datetimeFigureOut">
               <a:rPr lang="en-US" dirty="0"/>
-              <a:t>6/27/2024</a:t>
+              <a:t>6/28/2024</a:t>
             </a:fld>
             <a:endParaRPr lang="en-US" dirty="0"/>
           </a:p>
@@ -8615,7 +8616,7 @@
           <a:p>
             <a:fld id="{48A87A34-81AB-432B-8DAE-1953F412C126}" type="datetimeFigureOut">
               <a:rPr lang="en-US" dirty="0"/>
-              <a:t>6/27/2024</a:t>
+              <a:t>6/28/2024</a:t>
             </a:fld>
             <a:endParaRPr lang="en-US" dirty="0"/>
           </a:p>
@@ -8890,7 +8891,7 @@
           <a:p>
             <a:fld id="{48A87A34-81AB-432B-8DAE-1953F412C126}" type="datetimeFigureOut">
               <a:rPr lang="en-US" dirty="0"/>
-              <a:t>6/27/2024</a:t>
+              <a:t>6/28/2024</a:t>
             </a:fld>
             <a:endParaRPr lang="en-US" dirty="0"/>
           </a:p>
@@ -9008,7 +9009,7 @@
           <a:noFill/>
           <a:extLst>
             <a:ext uri="{909E8E84-426E-40dd-AFC4-6F175D3DCCD1}">
-              <a14:hiddenFill xmlns:a14="http://schemas.microsoft.com/office/drawing/2010/main" xmlns="">
+              <a14:hiddenFill xmlns="" xmlns:a14="http://schemas.microsoft.com/office/drawing/2010/main">
                 <a:solidFill>
                   <a:srgbClr val="FFFFFF"/>
                 </a:solidFill>
@@ -9082,7 +9083,7 @@
               </a:ln>
               <a:extLst>
                 <a:ext uri="{91240B29-F687-4f45-9708-019B960494DF}">
-                  <a14:hiddenLine xmlns:a14="http://schemas.microsoft.com/office/drawing/2010/main" xmlns="" w="9525">
+                  <a14:hiddenLine xmlns="" xmlns:a14="http://schemas.microsoft.com/office/drawing/2010/main" w="9525">
                     <a:solidFill>
                       <a:srgbClr val="000000"/>
                     </a:solidFill>
@@ -9172,7 +9173,7 @@
               </a:ln>
               <a:extLst>
                 <a:ext uri="{91240B29-F687-4f45-9708-019B960494DF}">
-                  <a14:hiddenLine xmlns:a14="http://schemas.microsoft.com/office/drawing/2010/main" xmlns="" w="9525">
+                  <a14:hiddenLine xmlns="" xmlns:a14="http://schemas.microsoft.com/office/drawing/2010/main" w="9525">
                     <a:solidFill>
                       <a:srgbClr val="000000"/>
                     </a:solidFill>
@@ -9262,7 +9263,7 @@
               </a:ln>
               <a:extLst>
                 <a:ext uri="{91240B29-F687-4f45-9708-019B960494DF}">
-                  <a14:hiddenLine xmlns:a14="http://schemas.microsoft.com/office/drawing/2010/main" xmlns="" w="9525">
+                  <a14:hiddenLine xmlns="" xmlns:a14="http://schemas.microsoft.com/office/drawing/2010/main" w="9525">
                     <a:solidFill>
                       <a:srgbClr val="000000"/>
                     </a:solidFill>
@@ -9324,7 +9325,7 @@
               </a:ln>
               <a:extLst>
                 <a:ext uri="{91240B29-F687-4f45-9708-019B960494DF}">
-                  <a14:hiddenLine xmlns:a14="http://schemas.microsoft.com/office/drawing/2010/main" xmlns="" w="9525">
+                  <a14:hiddenLine xmlns="" xmlns:a14="http://schemas.microsoft.com/office/drawing/2010/main" w="9525">
                     <a:solidFill>
                       <a:srgbClr val="000000"/>
                     </a:solidFill>
@@ -9414,7 +9415,7 @@
               </a:ln>
               <a:extLst>
                 <a:ext uri="{91240B29-F687-4f45-9708-019B960494DF}">
-                  <a14:hiddenLine xmlns:a14="http://schemas.microsoft.com/office/drawing/2010/main" xmlns="" w="9525">
+                  <a14:hiddenLine xmlns="" xmlns:a14="http://schemas.microsoft.com/office/drawing/2010/main" w="9525">
                     <a:solidFill>
                       <a:srgbClr val="000000"/>
                     </a:solidFill>
@@ -9476,7 +9477,7 @@
               </a:ln>
               <a:extLst>
                 <a:ext uri="{91240B29-F687-4f45-9708-019B960494DF}">
-                  <a14:hiddenLine xmlns:a14="http://schemas.microsoft.com/office/drawing/2010/main" xmlns="" w="9525">
+                  <a14:hiddenLine xmlns="" xmlns:a14="http://schemas.microsoft.com/office/drawing/2010/main" w="9525">
                     <a:solidFill>
                       <a:srgbClr val="000000"/>
                     </a:solidFill>
@@ -9538,7 +9539,7 @@
               </a:ln>
               <a:extLst>
                 <a:ext uri="{91240B29-F687-4f45-9708-019B960494DF}">
-                  <a14:hiddenLine xmlns:a14="http://schemas.microsoft.com/office/drawing/2010/main" xmlns="" w="9525">
+                  <a14:hiddenLine xmlns="" xmlns:a14="http://schemas.microsoft.com/office/drawing/2010/main" w="9525">
                     <a:solidFill>
                       <a:srgbClr val="000000"/>
                     </a:solidFill>
@@ -9628,7 +9629,7 @@
               </a:ln>
               <a:extLst>
                 <a:ext uri="{91240B29-F687-4f45-9708-019B960494DF}">
-                  <a14:hiddenLine xmlns:a14="http://schemas.microsoft.com/office/drawing/2010/main" xmlns="" w="9525">
+                  <a14:hiddenLine xmlns="" xmlns:a14="http://schemas.microsoft.com/office/drawing/2010/main" w="9525">
                     <a:solidFill>
                       <a:srgbClr val="000000"/>
                     </a:solidFill>
@@ -9718,7 +9719,7 @@
               </a:ln>
               <a:extLst>
                 <a:ext uri="{91240B29-F687-4f45-9708-019B960494DF}">
-                  <a14:hiddenLine xmlns:a14="http://schemas.microsoft.com/office/drawing/2010/main" xmlns="" w="9525">
+                  <a14:hiddenLine xmlns="" xmlns:a14="http://schemas.microsoft.com/office/drawing/2010/main" w="9525">
                     <a:solidFill>
                       <a:srgbClr val="000000"/>
                     </a:solidFill>
@@ -9780,7 +9781,7 @@
               </a:ln>
               <a:extLst>
                 <a:ext uri="{91240B29-F687-4f45-9708-019B960494DF}">
-                  <a14:hiddenLine xmlns:a14="http://schemas.microsoft.com/office/drawing/2010/main" xmlns="" w="9525">
+                  <a14:hiddenLine xmlns="" xmlns:a14="http://schemas.microsoft.com/office/drawing/2010/main" w="9525">
                     <a:solidFill>
                       <a:srgbClr val="000000"/>
                     </a:solidFill>
@@ -9890,7 +9891,7 @@
               </a:ln>
               <a:extLst>
                 <a:ext uri="{91240B29-F687-4f45-9708-019B960494DF}">
-                  <a14:hiddenLine xmlns:a14="http://schemas.microsoft.com/office/drawing/2010/main" xmlns="" w="9525">
+                  <a14:hiddenLine xmlns="" xmlns:a14="http://schemas.microsoft.com/office/drawing/2010/main" w="9525">
                     <a:solidFill>
                       <a:srgbClr val="000000"/>
                     </a:solidFill>
@@ -9974,7 +9975,7 @@
               </a:ln>
               <a:extLst>
                 <a:ext uri="{91240B29-F687-4f45-9708-019B960494DF}">
-                  <a14:hiddenLine xmlns:a14="http://schemas.microsoft.com/office/drawing/2010/main" xmlns="" w="9525">
+                  <a14:hiddenLine xmlns="" xmlns:a14="http://schemas.microsoft.com/office/drawing/2010/main" w="9525">
                     <a:solidFill>
                       <a:srgbClr val="000000"/>
                     </a:solidFill>
@@ -10036,7 +10037,7 @@
               </a:ln>
               <a:extLst>
                 <a:ext uri="{91240B29-F687-4f45-9708-019B960494DF}">
-                  <a14:hiddenLine xmlns:a14="http://schemas.microsoft.com/office/drawing/2010/main" xmlns="" w="9525">
+                  <a14:hiddenLine xmlns="" xmlns:a14="http://schemas.microsoft.com/office/drawing/2010/main" w="9525">
                     <a:solidFill>
                       <a:srgbClr val="000000"/>
                     </a:solidFill>
@@ -10098,7 +10099,7 @@
               </a:ln>
               <a:extLst>
                 <a:ext uri="{91240B29-F687-4f45-9708-019B960494DF}">
-                  <a14:hiddenLine xmlns:a14="http://schemas.microsoft.com/office/drawing/2010/main" xmlns="" w="9525">
+                  <a14:hiddenLine xmlns="" xmlns:a14="http://schemas.microsoft.com/office/drawing/2010/main" w="9525">
                     <a:solidFill>
                       <a:srgbClr val="000000"/>
                     </a:solidFill>
@@ -10188,7 +10189,7 @@
               </a:ln>
               <a:extLst>
                 <a:ext uri="{91240B29-F687-4f45-9708-019B960494DF}">
-                  <a14:hiddenLine xmlns:a14="http://schemas.microsoft.com/office/drawing/2010/main" xmlns="" w="9525">
+                  <a14:hiddenLine xmlns="" xmlns:a14="http://schemas.microsoft.com/office/drawing/2010/main" w="9525">
                     <a:solidFill>
                       <a:srgbClr val="000000"/>
                     </a:solidFill>
@@ -10222,7 +10223,7 @@
               </a:ln>
               <a:extLst>
                 <a:ext uri="{91240B29-F687-4f45-9708-019B960494DF}">
-                  <a14:hiddenLine xmlns:a14="http://schemas.microsoft.com/office/drawing/2010/main" xmlns="" w="9525">
+                  <a14:hiddenLine xmlns="" xmlns:a14="http://schemas.microsoft.com/office/drawing/2010/main" w="9525">
                     <a:solidFill>
                       <a:srgbClr val="000000"/>
                     </a:solidFill>
@@ -10287,7 +10288,7 @@
               </a:ln>
               <a:extLst>
                 <a:ext uri="{91240B29-F687-4f45-9708-019B960494DF}">
-                  <a14:hiddenLine xmlns:a14="http://schemas.microsoft.com/office/drawing/2010/main" xmlns="" w="9525">
+                  <a14:hiddenLine xmlns="" xmlns:a14="http://schemas.microsoft.com/office/drawing/2010/main" w="9525">
                     <a:solidFill>
                       <a:srgbClr val="000000"/>
                     </a:solidFill>
@@ -10377,7 +10378,7 @@
               </a:ln>
               <a:extLst>
                 <a:ext uri="{91240B29-F687-4f45-9708-019B960494DF}">
-                  <a14:hiddenLine xmlns:a14="http://schemas.microsoft.com/office/drawing/2010/main" xmlns="" w="9525">
+                  <a14:hiddenLine xmlns="" xmlns:a14="http://schemas.microsoft.com/office/drawing/2010/main" w="9525">
                     <a:solidFill>
                       <a:srgbClr val="000000"/>
                     </a:solidFill>
@@ -10439,7 +10440,7 @@
               </a:ln>
               <a:extLst>
                 <a:ext uri="{91240B29-F687-4f45-9708-019B960494DF}">
-                  <a14:hiddenLine xmlns:a14="http://schemas.microsoft.com/office/drawing/2010/main" xmlns="" w="9525">
+                  <a14:hiddenLine xmlns="" xmlns:a14="http://schemas.microsoft.com/office/drawing/2010/main" w="9525">
                     <a:solidFill>
                       <a:srgbClr val="000000"/>
                     </a:solidFill>
@@ -10529,7 +10530,7 @@
               </a:ln>
               <a:extLst>
                 <a:ext uri="{91240B29-F687-4f45-9708-019B960494DF}">
-                  <a14:hiddenLine xmlns:a14="http://schemas.microsoft.com/office/drawing/2010/main" xmlns="" w="9525">
+                  <a14:hiddenLine xmlns="" xmlns:a14="http://schemas.microsoft.com/office/drawing/2010/main" w="9525">
                     <a:solidFill>
                       <a:srgbClr val="000000"/>
                     </a:solidFill>
@@ -10594,7 +10595,7 @@
               </a:ln>
               <a:extLst>
                 <a:ext uri="{91240B29-F687-4f45-9708-019B960494DF}">
-                  <a14:hiddenLine xmlns:a14="http://schemas.microsoft.com/office/drawing/2010/main" xmlns="" w="9525">
+                  <a14:hiddenLine xmlns="" xmlns:a14="http://schemas.microsoft.com/office/drawing/2010/main" w="9525">
                     <a:solidFill>
                       <a:srgbClr val="000000"/>
                     </a:solidFill>
@@ -10656,7 +10657,7 @@
               </a:ln>
               <a:extLst>
                 <a:ext uri="{91240B29-F687-4f45-9708-019B960494DF}">
-                  <a14:hiddenLine xmlns:a14="http://schemas.microsoft.com/office/drawing/2010/main" xmlns="" w="9525">
+                  <a14:hiddenLine xmlns="" xmlns:a14="http://schemas.microsoft.com/office/drawing/2010/main" w="9525">
                     <a:solidFill>
                       <a:srgbClr val="000000"/>
                     </a:solidFill>
@@ -10746,7 +10747,7 @@
               </a:ln>
               <a:extLst>
                 <a:ext uri="{91240B29-F687-4f45-9708-019B960494DF}">
-                  <a14:hiddenLine xmlns:a14="http://schemas.microsoft.com/office/drawing/2010/main" xmlns="" w="9525">
+                  <a14:hiddenLine xmlns="" xmlns:a14="http://schemas.microsoft.com/office/drawing/2010/main" w="9525">
                     <a:solidFill>
                       <a:srgbClr val="000000"/>
                     </a:solidFill>
@@ -10836,7 +10837,7 @@
               </a:ln>
               <a:extLst>
                 <a:ext uri="{91240B29-F687-4f45-9708-019B960494DF}">
-                  <a14:hiddenLine xmlns:a14="http://schemas.microsoft.com/office/drawing/2010/main" xmlns="" w="9525">
+                  <a14:hiddenLine xmlns="" xmlns:a14="http://schemas.microsoft.com/office/drawing/2010/main" w="9525">
                     <a:solidFill>
                       <a:srgbClr val="000000"/>
                     </a:solidFill>
@@ -10901,7 +10902,7 @@
               </a:ln>
               <a:extLst>
                 <a:ext uri="{91240B29-F687-4f45-9708-019B960494DF}">
-                  <a14:hiddenLine xmlns:a14="http://schemas.microsoft.com/office/drawing/2010/main" xmlns="" w="9525">
+                  <a14:hiddenLine xmlns="" xmlns:a14="http://schemas.microsoft.com/office/drawing/2010/main" w="9525">
                     <a:solidFill>
                       <a:srgbClr val="000000"/>
                     </a:solidFill>
@@ -11021,7 +11022,7 @@
               </a:ln>
               <a:extLst>
                 <a:ext uri="{91240B29-F687-4f45-9708-019B960494DF}">
-                  <a14:hiddenLine xmlns:a14="http://schemas.microsoft.com/office/drawing/2010/main" xmlns="" w="9525">
+                  <a14:hiddenLine xmlns="" xmlns:a14="http://schemas.microsoft.com/office/drawing/2010/main" w="9525">
                     <a:solidFill>
                       <a:srgbClr val="000000"/>
                     </a:solidFill>
@@ -11119,7 +11120,7 @@
               </a:ln>
               <a:extLst>
                 <a:ext uri="{91240B29-F687-4f45-9708-019B960494DF}">
-                  <a14:hiddenLine xmlns:a14="http://schemas.microsoft.com/office/drawing/2010/main" xmlns="" w="9525">
+                  <a14:hiddenLine xmlns="" xmlns:a14="http://schemas.microsoft.com/office/drawing/2010/main" w="9525">
                     <a:solidFill>
                       <a:srgbClr val="000000"/>
                     </a:solidFill>
@@ -11234,7 +11235,7 @@
               </a:ln>
               <a:extLst>
                 <a:ext uri="{91240B29-F687-4f45-9708-019B960494DF}">
-                  <a14:hiddenLine xmlns:a14="http://schemas.microsoft.com/office/drawing/2010/main" xmlns="" w="9525">
+                  <a14:hiddenLine xmlns="" xmlns:a14="http://schemas.microsoft.com/office/drawing/2010/main" w="9525">
                     <a:solidFill>
                       <a:srgbClr val="000000"/>
                     </a:solidFill>
@@ -11324,7 +11325,7 @@
               </a:ln>
               <a:extLst>
                 <a:ext uri="{91240B29-F687-4f45-9708-019B960494DF}">
-                  <a14:hiddenLine xmlns:a14="http://schemas.microsoft.com/office/drawing/2010/main" xmlns="" w="9525">
+                  <a14:hiddenLine xmlns="" xmlns:a14="http://schemas.microsoft.com/office/drawing/2010/main" w="9525">
                     <a:solidFill>
                       <a:srgbClr val="000000"/>
                     </a:solidFill>
@@ -11389,7 +11390,7 @@
               </a:ln>
               <a:extLst>
                 <a:ext uri="{91240B29-F687-4f45-9708-019B960494DF}">
-                  <a14:hiddenLine xmlns:a14="http://schemas.microsoft.com/office/drawing/2010/main" xmlns="" w="9525">
+                  <a14:hiddenLine xmlns="" xmlns:a14="http://schemas.microsoft.com/office/drawing/2010/main" w="9525">
                     <a:solidFill>
                       <a:srgbClr val="000000"/>
                     </a:solidFill>
@@ -11479,7 +11480,7 @@
               </a:ln>
               <a:extLst>
                 <a:ext uri="{91240B29-F687-4f45-9708-019B960494DF}">
-                  <a14:hiddenLine xmlns:a14="http://schemas.microsoft.com/office/drawing/2010/main" xmlns="" w="9525">
+                  <a14:hiddenLine xmlns="" xmlns:a14="http://schemas.microsoft.com/office/drawing/2010/main" w="9525">
                     <a:solidFill>
                       <a:srgbClr val="000000"/>
                     </a:solidFill>
@@ -11547,7 +11548,7 @@
               </a:ln>
               <a:extLst>
                 <a:ext uri="{91240B29-F687-4f45-9708-019B960494DF}">
-                  <a14:hiddenLine xmlns:a14="http://schemas.microsoft.com/office/drawing/2010/main" xmlns="" w="9525">
+                  <a14:hiddenLine xmlns="" xmlns:a14="http://schemas.microsoft.com/office/drawing/2010/main" w="9525">
                     <a:solidFill>
                       <a:srgbClr val="000000"/>
                     </a:solidFill>
@@ -11637,7 +11638,7 @@
               </a:ln>
               <a:extLst>
                 <a:ext uri="{91240B29-F687-4f45-9708-019B960494DF}">
-                  <a14:hiddenLine xmlns:a14="http://schemas.microsoft.com/office/drawing/2010/main" xmlns="" w="9525">
+                  <a14:hiddenLine xmlns="" xmlns:a14="http://schemas.microsoft.com/office/drawing/2010/main" w="9525">
                     <a:solidFill>
                       <a:srgbClr val="000000"/>
                     </a:solidFill>
@@ -11705,7 +11706,7 @@
               </a:ln>
               <a:extLst>
                 <a:ext uri="{91240B29-F687-4f45-9708-019B960494DF}">
-                  <a14:hiddenLine xmlns:a14="http://schemas.microsoft.com/office/drawing/2010/main" xmlns="" w="9525">
+                  <a14:hiddenLine xmlns="" xmlns:a14="http://schemas.microsoft.com/office/drawing/2010/main" w="9525">
                     <a:solidFill>
                       <a:srgbClr val="000000"/>
                     </a:solidFill>
@@ -11795,7 +11796,7 @@
               </a:ln>
               <a:extLst>
                 <a:ext uri="{91240B29-F687-4f45-9708-019B960494DF}">
-                  <a14:hiddenLine xmlns:a14="http://schemas.microsoft.com/office/drawing/2010/main" xmlns="" w="9525">
+                  <a14:hiddenLine xmlns="" xmlns:a14="http://schemas.microsoft.com/office/drawing/2010/main" w="9525">
                     <a:solidFill>
                       <a:srgbClr val="000000"/>
                     </a:solidFill>
@@ -11829,7 +11830,7 @@
               </a:ln>
               <a:extLst>
                 <a:ext uri="{91240B29-F687-4f45-9708-019B960494DF}">
-                  <a14:hiddenLine xmlns:a14="http://schemas.microsoft.com/office/drawing/2010/main" xmlns="" w="9525">
+                  <a14:hiddenLine xmlns="" xmlns:a14="http://schemas.microsoft.com/office/drawing/2010/main" w="9525">
                     <a:solidFill>
                       <a:srgbClr val="000000"/>
                     </a:solidFill>
@@ -11970,7 +11971,7 @@
             <a:fld id="{48A87A34-81AB-432B-8DAE-1953F412C126}" type="datetimeFigureOut">
               <a:rPr lang="en-US" dirty="0"/>
               <a:pPr/>
-              <a:t>6/27/2024</a:t>
+              <a:t>6/28/2024</a:t>
             </a:fld>
             <a:endParaRPr lang="en-US" dirty="0"/>
           </a:p>
@@ -12778,6 +12779,191 @@
         </p:nvSpPr>
         <p:spPr>
           <a:xfrm>
+            <a:off x="3226337" y="110515"/>
+            <a:ext cx="5739326" cy="1060535"/>
+          </a:xfrm>
+        </p:spPr>
+        <p:txBody>
+          <a:bodyPr>
+            <a:normAutofit/>
+          </a:bodyPr>
+          <a:lstStyle/>
+          <a:p>
+            <a:pPr algn="ctr"/>
+            <a:r>
+              <a:rPr lang="ru-RU" b="1" dirty="0">
+                <a:effectLst/>
+              </a:rPr>
+              <a:t>Тестирование</a:t>
+            </a:r>
+          </a:p>
+        </p:txBody>
+      </p:sp>
+      <p:sp>
+        <p:nvSpPr>
+          <p:cNvPr id="22" name="TextBox 21">
+            <a:extLst>
+              <a:ext uri="{FF2B5EF4-FFF2-40B4-BE49-F238E27FC236}">
+                <a16:creationId xmlns:a16="http://schemas.microsoft.com/office/drawing/2014/main" id="{670A3690-A2A6-64B5-D3C9-57C20936C17D}"/>
+              </a:ext>
+            </a:extLst>
+          </p:cNvPr>
+          <p:cNvSpPr txBox="1"/>
+          <p:nvPr/>
+        </p:nvSpPr>
+        <p:spPr>
+          <a:xfrm>
+            <a:off x="10965260" y="6211669"/>
+            <a:ext cx="1226740" cy="646331"/>
+          </a:xfrm>
+          <a:prstGeom prst="rect">
+            <a:avLst/>
+          </a:prstGeom>
+          <a:noFill/>
+        </p:spPr>
+        <p:txBody>
+          <a:bodyPr wrap="square">
+            <a:spAutoFit/>
+          </a:bodyPr>
+          <a:lstStyle/>
+          <a:p>
+            <a:r>
+              <a:rPr lang="ru-RU" sz="3600" dirty="0">
+                <a:effectLst>
+                  <a:outerShdw blurRad="38100" dist="38100" dir="2700000" algn="tl">
+                    <a:srgbClr val="000000">
+                      <a:alpha val="43137"/>
+                    </a:srgbClr>
+                  </a:outerShdw>
+                </a:effectLst>
+                <a:latin typeface="Times New Roman" panose="02020603050405020304" pitchFamily="18" charset="0"/>
+                <a:cs typeface="Times New Roman" panose="02020603050405020304" pitchFamily="18" charset="0"/>
+              </a:rPr>
+              <a:t>10/14</a:t>
+            </a:r>
+            <a:endParaRPr lang="ru-RU" sz="3600" dirty="0"/>
+          </a:p>
+        </p:txBody>
+      </p:sp>
+      <p:pic>
+        <p:nvPicPr>
+          <p:cNvPr id="5" name="Рисунок 4">
+            <a:extLst>
+              <a:ext uri="{FF2B5EF4-FFF2-40B4-BE49-F238E27FC236}">
+                <a16:creationId xmlns:a16="http://schemas.microsoft.com/office/drawing/2014/main" id="{6D65DE02-A34C-4DB3-811E-B728AE1F7698}"/>
+              </a:ext>
+            </a:extLst>
+          </p:cNvPr>
+          <p:cNvPicPr>
+            <a:picLocks noChangeAspect="1"/>
+          </p:cNvPicPr>
+          <p:nvPr/>
+        </p:nvPicPr>
+        <p:blipFill>
+          <a:blip r:embed="rId2"/>
+          <a:stretch>
+            <a:fillRect/>
+          </a:stretch>
+        </p:blipFill>
+        <p:spPr>
+          <a:xfrm>
+            <a:off x="535189" y="1783613"/>
+            <a:ext cx="11121622" cy="3946382"/>
+          </a:xfrm>
+          <a:prstGeom prst="rect">
+            <a:avLst/>
+          </a:prstGeom>
+        </p:spPr>
+      </p:pic>
+      <p:pic>
+        <p:nvPicPr>
+          <p:cNvPr id="7" name="Picture 4">
+            <a:extLst>
+              <a:ext uri="{FF2B5EF4-FFF2-40B4-BE49-F238E27FC236}">
+                <a16:creationId xmlns:a16="http://schemas.microsoft.com/office/drawing/2014/main" id="{09045813-0A66-427B-B91C-829CFFCA3858}"/>
+              </a:ext>
+            </a:extLst>
+          </p:cNvPr>
+          <p:cNvPicPr>
+            <a:picLocks noChangeAspect="1" noChangeArrowheads="1"/>
+          </p:cNvPicPr>
+          <p:nvPr/>
+        </p:nvPicPr>
+        <p:blipFill>
+          <a:blip r:embed="rId3">
+            <a:extLst>
+              <a:ext uri="{28A0092B-C50C-407E-A947-70E740481C1C}">
+                <a14:useLocalDpi xmlns:a14="http://schemas.microsoft.com/office/drawing/2010/main" val="0"/>
+              </a:ext>
+            </a:extLst>
+          </a:blip>
+          <a:srcRect/>
+          <a:stretch>
+            <a:fillRect/>
+          </a:stretch>
+        </p:blipFill>
+        <p:spPr bwMode="auto">
+          <a:xfrm>
+            <a:off x="10629901" y="-5340"/>
+            <a:ext cx="1562099" cy="1562099"/>
+          </a:xfrm>
+          <a:prstGeom prst="rect">
+            <a:avLst/>
+          </a:prstGeom>
+          <a:noFill/>
+          <a:extLst>
+            <a:ext uri="{909E8E84-426E-40DD-AFC4-6F175D3DCCD1}">
+              <a14:hiddenFill xmlns:a14="http://schemas.microsoft.com/office/drawing/2010/main">
+                <a:solidFill>
+                  <a:srgbClr val="FFFFFF"/>
+                </a:solidFill>
+              </a14:hiddenFill>
+            </a:ext>
+          </a:extLst>
+        </p:spPr>
+      </p:pic>
+    </p:spTree>
+    <p:extLst>
+      <p:ext uri="{BB962C8B-B14F-4D97-AF65-F5344CB8AC3E}">
+        <p14:creationId xmlns:p14="http://schemas.microsoft.com/office/powerpoint/2010/main" val="2140662777"/>
+      </p:ext>
+    </p:extLst>
+  </p:cSld>
+  <p:clrMapOvr>
+    <a:masterClrMapping/>
+  </p:clrMapOvr>
+</p:sld>
+</file>
+
+<file path=ppt/slides/slide11.xml><?xml version="1.0" encoding="utf-8"?>
+<p:sld xmlns:a="http://schemas.openxmlformats.org/drawingml/2006/main" xmlns:r="http://schemas.openxmlformats.org/officeDocument/2006/relationships" xmlns:p="http://schemas.openxmlformats.org/presentationml/2006/main">
+  <p:cSld>
+    <p:spTree>
+      <p:nvGrpSpPr>
+        <p:cNvPr id="1" name=""/>
+        <p:cNvGrpSpPr/>
+        <p:nvPr/>
+      </p:nvGrpSpPr>
+      <p:grpSpPr>
+        <a:xfrm>
+          <a:off x="0" y="0"/>
+          <a:ext cx="0" cy="0"/>
+          <a:chOff x="0" y="0"/>
+          <a:chExt cx="0" cy="0"/>
+        </a:xfrm>
+      </p:grpSpPr>
+      <p:sp>
+        <p:nvSpPr>
+          <p:cNvPr id="2" name="Заголовок 1"/>
+          <p:cNvSpPr>
+            <a:spLocks noGrp="1"/>
+          </p:cNvSpPr>
+          <p:nvPr>
+            <p:ph type="title"/>
+          </p:nvPr>
+        </p:nvSpPr>
+        <p:spPr>
+          <a:xfrm>
             <a:off x="3718100" y="146725"/>
             <a:ext cx="4755800" cy="1029499"/>
           </a:xfrm>
@@ -12824,20 +13010,6 @@
           <a:lstStyle/>
           <a:p>
             <a:r>
-              <a:rPr lang="en-US" sz="3600" dirty="0">
-                <a:effectLst>
-                  <a:outerShdw blurRad="38100" dist="38100" dir="2700000" algn="tl">
-                    <a:srgbClr val="000000">
-                      <a:alpha val="43137"/>
-                    </a:srgbClr>
-                  </a:outerShdw>
-                </a:effectLst>
-                <a:latin typeface="Times New Roman" panose="02020603050405020304" pitchFamily="18" charset="0"/>
-                <a:cs typeface="Times New Roman" panose="02020603050405020304" pitchFamily="18" charset="0"/>
-              </a:rPr>
-              <a:t>1</a:t>
-            </a:r>
-            <a:r>
               <a:rPr lang="ru-RU" sz="3600" dirty="0">
                 <a:effectLst>
                   <a:outerShdw blurRad="38100" dist="38100" dir="2700000" algn="tl">
@@ -12849,7 +13021,7 @@
                 <a:latin typeface="Times New Roman" panose="02020603050405020304" pitchFamily="18" charset="0"/>
                 <a:cs typeface="Times New Roman" panose="02020603050405020304" pitchFamily="18" charset="0"/>
               </a:rPr>
-              <a:t>0/13</a:t>
+              <a:t>11/14</a:t>
             </a:r>
             <a:endParaRPr lang="ru-RU" sz="3600" dirty="0"/>
           </a:p>
@@ -12883,7 +13055,7 @@
           <a:graphicData uri="http://schemas.openxmlformats.org/presentationml/2006/ole">
             <mc:AlternateContent xmlns:mc="http://schemas.openxmlformats.org/markup-compatibility/2006">
               <mc:Choice xmlns:v="urn:schemas-microsoft-com:vml" Requires="v">
-                <p:oleObj spid="_x0000_s1121" name="Worksheet" r:id="rId3" imgW="11963545" imgH="2209967" progId="Excel.Sheet.12">
+                <p:oleObj spid="_x0000_s1127" name="Worksheet" r:id="rId3" imgW="11963545" imgH="2209967" progId="Excel.Sheet.12">
                   <p:embed/>
                 </p:oleObj>
               </mc:Choice>
@@ -12946,7 +13118,7 @@
           <a:graphicData uri="http://schemas.openxmlformats.org/presentationml/2006/ole">
             <mc:AlternateContent xmlns:mc="http://schemas.openxmlformats.org/markup-compatibility/2006">
               <mc:Choice xmlns:v="urn:schemas-microsoft-com:vml" Requires="v">
-                <p:oleObj spid="_x0000_s1122" name="Worksheet" r:id="rId5" imgW="9563201" imgH="2009788" progId="Excel.Sheet.12">
+                <p:oleObj spid="_x0000_s1128" name="Worksheet" r:id="rId5" imgW="9563201" imgH="2009788" progId="Excel.Sheet.12">
                   <p:embed/>
                 </p:oleObj>
               </mc:Choice>
@@ -13041,7 +13213,7 @@
 </p:sld>
 </file>
 
-<file path=ppt/slides/slide11.xml><?xml version="1.0" encoding="utf-8"?>
+<file path=ppt/slides/slide12.xml><?xml version="1.0" encoding="utf-8"?>
 <p:sld xmlns:a="http://schemas.openxmlformats.org/drawingml/2006/main" xmlns:r="http://schemas.openxmlformats.org/officeDocument/2006/relationships" xmlns:p="http://schemas.openxmlformats.org/presentationml/2006/main">
   <p:cSld>
     <p:spTree>
@@ -13111,7 +13283,7 @@
         </p:nvSpPr>
         <p:spPr>
           <a:xfrm>
-            <a:off x="10962377" y="6211669"/>
+            <a:off x="10971902" y="6211669"/>
             <a:ext cx="1238250" cy="646331"/>
           </a:xfrm>
           <a:prstGeom prst="rect">
@@ -13137,7 +13309,7 @@
                 <a:latin typeface="Times New Roman" panose="02020603050405020304" pitchFamily="18" charset="0"/>
                 <a:cs typeface="Times New Roman" panose="02020603050405020304" pitchFamily="18" charset="0"/>
               </a:rPr>
-              <a:t>11/13</a:t>
+              <a:t>12/14</a:t>
             </a:r>
           </a:p>
         </p:txBody>
@@ -13241,7 +13413,7 @@
 </p:sld>
 </file>
 
-<file path=ppt/slides/slide12.xml><?xml version="1.0" encoding="utf-8"?>
+<file path=ppt/slides/slide13.xml><?xml version="1.0" encoding="utf-8"?>
 <p:sld xmlns:a="http://schemas.openxmlformats.org/drawingml/2006/main" xmlns:r="http://schemas.openxmlformats.org/officeDocument/2006/relationships" xmlns:p="http://schemas.openxmlformats.org/presentationml/2006/main">
   <p:cSld>
     <p:spTree>
@@ -13330,7 +13502,7 @@
                 <a:latin typeface="Times New Roman" panose="02020603050405020304" pitchFamily="18" charset="0"/>
                 <a:cs typeface="Times New Roman" panose="02020603050405020304" pitchFamily="18" charset="0"/>
               </a:rPr>
-              <a:t>12/13</a:t>
+              <a:t>13/14</a:t>
             </a:r>
             <a:endParaRPr lang="ru-RU" sz="3600" dirty="0"/>
           </a:p>
@@ -13435,7 +13607,7 @@
 </p:sld>
 </file>
 
-<file path=ppt/slides/slide13.xml><?xml version="1.0" encoding="utf-8"?>
+<file path=ppt/slides/slide14.xml><?xml version="1.0" encoding="utf-8"?>
 <p:sld xmlns:a="http://schemas.openxmlformats.org/drawingml/2006/main" xmlns:r="http://schemas.openxmlformats.org/officeDocument/2006/relationships" xmlns:p="http://schemas.openxmlformats.org/presentationml/2006/main">
   <p:cSld>
     <p:spTree>
@@ -13814,7 +13986,7 @@
                 <a:latin typeface="Times New Roman" panose="02020603050405020304" pitchFamily="18" charset="0"/>
                 <a:cs typeface="Times New Roman" panose="02020603050405020304" pitchFamily="18" charset="0"/>
               </a:rPr>
-              <a:t>3</a:t>
+              <a:t>4</a:t>
             </a:r>
             <a:r>
               <a:rPr lang="en-US" sz="3600" dirty="0">
@@ -13842,7 +14014,7 @@
                 <a:latin typeface="Times New Roman" panose="02020603050405020304" pitchFamily="18" charset="0"/>
                 <a:cs typeface="Times New Roman" panose="02020603050405020304" pitchFamily="18" charset="0"/>
               </a:rPr>
-              <a:t>13</a:t>
+              <a:t>14</a:t>
             </a:r>
             <a:endParaRPr lang="ru-RU" sz="3600" dirty="0"/>
           </a:p>
@@ -13947,22 +14119,19 @@
                 <a:latin typeface="Times New Roman" panose="02020603050405020304" pitchFamily="18" charset="0"/>
                 <a:cs typeface="Times New Roman" panose="02020603050405020304" pitchFamily="18" charset="0"/>
               </a:rPr>
-              <a:t>2/1</a:t>
-            </a:r>
-            <a:r>
-              <a:rPr lang="en-US" sz="3600" dirty="0">
-                <a:effectLst>
-                  <a:outerShdw blurRad="38100" dist="38100" dir="2700000" algn="tl">
-                    <a:srgbClr val="000000">
-                      <a:alpha val="43137"/>
-                    </a:srgbClr>
-                  </a:outerShdw>
-                </a:effectLst>
-                <a:latin typeface="Times New Roman" panose="02020603050405020304" pitchFamily="18" charset="0"/>
-                <a:cs typeface="Times New Roman" panose="02020603050405020304" pitchFamily="18" charset="0"/>
-              </a:rPr>
-              <a:t>3</a:t>
-            </a:r>
+              <a:t>2/14</a:t>
+            </a:r>
+            <a:endParaRPr lang="en-US" sz="3600" dirty="0">
+              <a:effectLst>
+                <a:outerShdw blurRad="38100" dist="38100" dir="2700000" algn="tl">
+                  <a:srgbClr val="000000">
+                    <a:alpha val="43137"/>
+                  </a:srgbClr>
+                </a:outerShdw>
+              </a:effectLst>
+              <a:latin typeface="Times New Roman" panose="02020603050405020304" pitchFamily="18" charset="0"/>
+              <a:cs typeface="Times New Roman" panose="02020603050405020304" pitchFamily="18" charset="0"/>
+            </a:endParaRPr>
           </a:p>
           <a:p>
             <a:endParaRPr lang="ru-RU" sz="3600" dirty="0"/>
@@ -14247,22 +14416,19 @@
                 <a:latin typeface="Times New Roman" panose="02020603050405020304" pitchFamily="18" charset="0"/>
                 <a:cs typeface="Times New Roman" panose="02020603050405020304" pitchFamily="18" charset="0"/>
               </a:rPr>
-              <a:t>/1</a:t>
-            </a:r>
-            <a:r>
-              <a:rPr lang="en-US" sz="3600" dirty="0">
-                <a:effectLst>
-                  <a:outerShdw blurRad="38100" dist="38100" dir="2700000" algn="tl">
-                    <a:srgbClr val="000000">
-                      <a:alpha val="43137"/>
-                    </a:srgbClr>
-                  </a:outerShdw>
-                </a:effectLst>
-                <a:latin typeface="Times New Roman" panose="02020603050405020304" pitchFamily="18" charset="0"/>
-                <a:cs typeface="Times New Roman" panose="02020603050405020304" pitchFamily="18" charset="0"/>
-              </a:rPr>
-              <a:t>3</a:t>
-            </a:r>
+              <a:t>/14</a:t>
+            </a:r>
+            <a:endParaRPr lang="en-US" sz="3600" dirty="0">
+              <a:effectLst>
+                <a:outerShdw blurRad="38100" dist="38100" dir="2700000" algn="tl">
+                  <a:srgbClr val="000000">
+                    <a:alpha val="43137"/>
+                  </a:srgbClr>
+                </a:outerShdw>
+              </a:effectLst>
+              <a:latin typeface="Times New Roman" panose="02020603050405020304" pitchFamily="18" charset="0"/>
+              <a:cs typeface="Times New Roman" panose="02020603050405020304" pitchFamily="18" charset="0"/>
+            </a:endParaRPr>
           </a:p>
         </p:txBody>
       </p:sp>
@@ -14659,22 +14825,19 @@
                 <a:latin typeface="Times New Roman" panose="02020603050405020304" pitchFamily="18" charset="0"/>
                 <a:cs typeface="Times New Roman" panose="02020603050405020304" pitchFamily="18" charset="0"/>
               </a:rPr>
-              <a:t>/1</a:t>
-            </a:r>
-            <a:r>
-              <a:rPr lang="en-US" sz="3600" dirty="0">
-                <a:effectLst>
-                  <a:outerShdw blurRad="38100" dist="38100" dir="2700000" algn="tl">
-                    <a:srgbClr val="000000">
-                      <a:alpha val="43137"/>
-                    </a:srgbClr>
-                  </a:outerShdw>
-                </a:effectLst>
-                <a:latin typeface="Times New Roman" panose="02020603050405020304" pitchFamily="18" charset="0"/>
-                <a:cs typeface="Times New Roman" panose="02020603050405020304" pitchFamily="18" charset="0"/>
-              </a:rPr>
-              <a:t>3</a:t>
-            </a:r>
+              <a:t>/14</a:t>
+            </a:r>
+            <a:endParaRPr lang="en-US" sz="3600" dirty="0">
+              <a:effectLst>
+                <a:outerShdw blurRad="38100" dist="38100" dir="2700000" algn="tl">
+                  <a:srgbClr val="000000">
+                    <a:alpha val="43137"/>
+                  </a:srgbClr>
+                </a:outerShdw>
+              </a:effectLst>
+              <a:latin typeface="Times New Roman" panose="02020603050405020304" pitchFamily="18" charset="0"/>
+              <a:cs typeface="Times New Roman" panose="02020603050405020304" pitchFamily="18" charset="0"/>
+            </a:endParaRPr>
           </a:p>
         </p:txBody>
       </p:sp>
@@ -14902,7 +15065,7 @@
                 <a:latin typeface="Times New Roman" panose="02020603050405020304" pitchFamily="18" charset="0"/>
                 <a:cs typeface="Times New Roman" panose="02020603050405020304" pitchFamily="18" charset="0"/>
               </a:rPr>
-              <a:t>3</a:t>
+              <a:t>4</a:t>
             </a:r>
             <a:endParaRPr lang="ru-RU" sz="3600" dirty="0"/>
           </a:p>
@@ -14923,20 +15086,20 @@
           <p:nvPr>
             <p:extLst>
               <p:ext uri="{D42A27DB-BD31-4B8C-83A1-F6EECF244321}">
-                <p14:modId xmlns:p14="http://schemas.microsoft.com/office/powerpoint/2010/main" val="3506526814"/>
+                <p14:modId xmlns:p14="http://schemas.microsoft.com/office/powerpoint/2010/main" val="2749924006"/>
               </p:ext>
             </p:extLst>
           </p:nvPr>
         </p:nvGraphicFramePr>
         <p:xfrm>
-          <a:off x="999829" y="1281382"/>
-          <a:ext cx="10039646" cy="6687726"/>
+          <a:off x="347647" y="1071831"/>
+          <a:ext cx="11372850" cy="7575815"/>
         </p:xfrm>
         <a:graphic>
           <a:graphicData uri="http://schemas.openxmlformats.org/presentationml/2006/ole">
             <mc:AlternateContent xmlns:mc="http://schemas.openxmlformats.org/markup-compatibility/2006">
               <mc:Choice xmlns:v="urn:schemas-microsoft-com:vml" Requires="v">
-                <p:oleObj spid="_x0000_s4145" name="Visio" r:id="rId3" imgW="8486775" imgH="5657850" progId="Visio.Drawing.15">
+                <p:oleObj spid="_x0000_s4148" name="Visio" r:id="rId3" imgW="8486775" imgH="5657850" progId="Visio.Drawing.15">
                   <p:embed/>
                 </p:oleObj>
               </mc:Choice>
@@ -14960,8 +15123,8 @@
                     </p:blipFill>
                     <p:spPr bwMode="auto">
                       <a:xfrm>
-                        <a:off x="999829" y="1281382"/>
-                        <a:ext cx="10039646" cy="6687726"/>
+                        <a:off x="347647" y="1071831"/>
+                        <a:ext cx="11372850" cy="7575815"/>
                       </a:xfrm>
                       <a:prstGeom prst="rect">
                         <a:avLst/>
@@ -14977,149 +15140,65 @@
       </p:graphicFrame>
       <p:sp>
         <p:nvSpPr>
-          <p:cNvPr id="13" name="TextBox 12">
+          <p:cNvPr id="7" name="Заголовок 1">
             <a:extLst>
               <a:ext uri="{FF2B5EF4-FFF2-40B4-BE49-F238E27FC236}">
-                <a16:creationId xmlns:a16="http://schemas.microsoft.com/office/drawing/2014/main" id="{D4E40338-6728-4DF7-ABCE-04BC99262F9E}"/>
+                <a16:creationId xmlns:a16="http://schemas.microsoft.com/office/drawing/2014/main" id="{FEC88A5A-37BC-4E47-9C3F-91DF5A924420}"/>
               </a:ext>
             </a:extLst>
           </p:cNvPr>
-          <p:cNvSpPr txBox="1"/>
+          <p:cNvSpPr txBox="1">
+            <a:spLocks/>
+          </p:cNvSpPr>
           <p:nvPr/>
         </p:nvSpPr>
         <p:spPr>
           <a:xfrm>
-            <a:off x="6019652" y="4349200"/>
-            <a:ext cx="4751879" cy="1737014"/>
+            <a:off x="3226337" y="5797465"/>
+            <a:ext cx="5739326" cy="1060535"/>
           </a:xfrm>
           <a:prstGeom prst="rect">
             <a:avLst/>
           </a:prstGeom>
-          <a:noFill/>
         </p:spPr>
         <p:txBody>
-          <a:bodyPr wrap="square">
-            <a:spAutoFit/>
+          <a:bodyPr vert="horz" lIns="91440" tIns="45720" rIns="91440" bIns="45720" rtlCol="0" anchor="ctr">
+            <a:normAutofit fontScale="97500"/>
           </a:bodyPr>
-          <a:lstStyle/>
-          <a:p>
-            <a:pPr indent="450215" algn="just">
+          <a:lstStyle>
+            <a:lvl1pPr algn="l" defTabSz="914400" rtl="0" eaLnBrk="1" latinLnBrk="0" hangingPunct="1">
               <a:lnSpc>
-                <a:spcPct val="110000"/>
+                <a:spcPct val="90000"/>
               </a:lnSpc>
-              <a:spcAft>
-                <a:spcPts val="800"/>
-              </a:spcAft>
-            </a:pPr>
-            <a:r>
-              <a:rPr lang="ru-RU" sz="2000" dirty="0">
+              <a:spcBef>
+                <a:spcPct val="0"/>
+              </a:spcBef>
+              <a:buNone/>
+              <a:defRPr sz="3600" kern="1200" cap="all" baseline="0">
+                <a:solidFill>
+                  <a:schemeClr val="tx1"/>
+                </a:solidFill>
+                <a:effectLst>
+                  <a:outerShdw blurRad="177800" dist="38100" dir="2700000" algn="tl">
+                    <a:srgbClr val="000000">
+                      <a:alpha val="24000"/>
+                    </a:srgbClr>
+                  </a:outerShdw>
+                </a:effectLst>
+                <a:latin typeface="+mj-lt"/>
+                <a:ea typeface="+mj-ea"/>
+                <a:cs typeface="+mj-cs"/>
+              </a:defRPr>
+            </a:lvl1pPr>
+          </a:lstStyle>
+          <a:p>
+            <a:pPr algn="ctr"/>
+            <a:r>
+              <a:rPr lang="ru-RU" b="1" dirty="0">
                 <a:effectLst/>
-                <a:ea typeface="Calibri" panose="020F0502020204030204" pitchFamily="34" charset="0"/>
-                <a:cs typeface="Times New Roman" panose="02020603050405020304" pitchFamily="18" charset="0"/>
               </a:rPr>
-              <a:t>Выполнены</a:t>
-            </a:r>
-            <a:r>
-              <a:rPr lang="en-US" sz="2000" dirty="0">
-                <a:effectLst/>
-                <a:ea typeface="Calibri" panose="020F0502020204030204" pitchFamily="34" charset="0"/>
-                <a:cs typeface="Times New Roman" panose="02020603050405020304" pitchFamily="18" charset="0"/>
-              </a:rPr>
-              <a:t> </a:t>
-            </a:r>
-            <a:r>
-              <a:rPr lang="ru-RU" sz="2000" dirty="0">
-                <a:effectLst/>
-                <a:ea typeface="Calibri" panose="020F0502020204030204" pitchFamily="34" charset="0"/>
-                <a:cs typeface="Times New Roman" panose="02020603050405020304" pitchFamily="18" charset="0"/>
-              </a:rPr>
-              <a:t>принципы </a:t>
-            </a:r>
-            <a:r>
-              <a:rPr lang="en-US" sz="2000" dirty="0">
-                <a:effectLst/>
-                <a:ea typeface="Calibri" panose="020F0502020204030204" pitchFamily="34" charset="0"/>
-                <a:cs typeface="Times New Roman" panose="02020603050405020304" pitchFamily="18" charset="0"/>
-              </a:rPr>
-              <a:t>GUI</a:t>
-            </a:r>
-            <a:r>
-              <a:rPr lang="en-US" sz="2000" dirty="0">
-                <a:ea typeface="Calibri" panose="020F0502020204030204" pitchFamily="34" charset="0"/>
-                <a:cs typeface="Times New Roman" panose="02020603050405020304" pitchFamily="18" charset="0"/>
-              </a:rPr>
-              <a:t>:</a:t>
-            </a:r>
-            <a:endParaRPr lang="ru-RU" sz="2000" dirty="0">
-              <a:effectLst/>
-              <a:ea typeface="Calibri" panose="020F0502020204030204" pitchFamily="34" charset="0"/>
-              <a:cs typeface="Times New Roman" panose="02020603050405020304" pitchFamily="18" charset="0"/>
-            </a:endParaRPr>
-          </a:p>
-          <a:p>
-            <a:pPr marL="800100" lvl="1" indent="342900" algn="just">
-              <a:lnSpc>
-                <a:spcPct val="110000"/>
-              </a:lnSpc>
-              <a:spcAft>
-                <a:spcPts val="800"/>
-              </a:spcAft>
-              <a:buFont typeface="Arial" panose="020B0604020202020204" pitchFamily="34" charset="0"/>
-              <a:buChar char="•"/>
-            </a:pPr>
-            <a:r>
-              <a:rPr lang="ru-RU" sz="2000" dirty="0">
-                <a:effectLst/>
-                <a:ea typeface="Calibri" panose="020F0502020204030204" pitchFamily="34" charset="0"/>
-                <a:cs typeface="Times New Roman" panose="02020603050405020304" pitchFamily="18" charset="0"/>
-              </a:rPr>
-              <a:t>принцип простоты</a:t>
-            </a:r>
-          </a:p>
-          <a:p>
-            <a:pPr marL="800100" lvl="1" indent="342900" algn="just">
-              <a:lnSpc>
-                <a:spcPct val="110000"/>
-              </a:lnSpc>
-              <a:spcAft>
-                <a:spcPts val="800"/>
-              </a:spcAft>
-              <a:buFont typeface="Arial" panose="020B0604020202020204" pitchFamily="34" charset="0"/>
-              <a:buChar char="•"/>
-            </a:pPr>
-            <a:r>
-              <a:rPr lang="ru-RU" sz="2000" dirty="0">
-                <a:effectLst/>
-                <a:ea typeface="Calibri" panose="020F0502020204030204" pitchFamily="34" charset="0"/>
-                <a:cs typeface="Times New Roman" panose="02020603050405020304" pitchFamily="18" charset="0"/>
-              </a:rPr>
-              <a:t>принцип видимости</a:t>
-            </a:r>
-          </a:p>
-          <a:p>
-            <a:pPr marL="800100" lvl="1" indent="342900" algn="just">
-              <a:lnSpc>
-                <a:spcPct val="110000"/>
-              </a:lnSpc>
-              <a:spcAft>
-                <a:spcPts val="800"/>
-              </a:spcAft>
-              <a:buFont typeface="Arial" panose="020B0604020202020204" pitchFamily="34" charset="0"/>
-              <a:buChar char="•"/>
-            </a:pPr>
-            <a:r>
-              <a:rPr lang="ru-RU" sz="2000" dirty="0">
-                <a:effectLst/>
-                <a:ea typeface="Calibri" panose="020F0502020204030204" pitchFamily="34" charset="0"/>
-                <a:cs typeface="Times New Roman" panose="02020603050405020304" pitchFamily="18" charset="0"/>
-              </a:rPr>
-              <a:t>принцип структуризации. </a:t>
-            </a:r>
-            <a:endParaRPr lang="ru-RU" dirty="0">
-              <a:effectLst/>
-              <a:ea typeface="Calibri" panose="020F0502020204030204" pitchFamily="34" charset="0"/>
-              <a:cs typeface="Times New Roman" panose="02020603050405020304" pitchFamily="18" charset="0"/>
-            </a:endParaRPr>
+              <a:t>Карта навигации</a:t>
+            </a:r>
           </a:p>
         </p:txBody>
       </p:sp>
@@ -15171,16 +15250,20 @@
         </p:spPr>
         <p:txBody>
           <a:bodyPr>
-            <a:normAutofit/>
+            <a:normAutofit fontScale="90000"/>
           </a:bodyPr>
           <a:lstStyle/>
           <a:p>
-            <a:r>
-              <a:rPr lang="ru-RU" b="1" dirty="0">
+            <a:pPr algn="ctr"/>
+            <a:r>
+              <a:rPr lang="en-US" b="1" dirty="0">
                 <a:effectLst/>
               </a:rPr>
-              <a:t>Руководство оператора</a:t>
-            </a:r>
+              <a:t>Graphical User Interface </a:t>
+            </a:r>
+            <a:endParaRPr lang="ru-RU" b="1" dirty="0">
+              <a:effectLst/>
+            </a:endParaRPr>
           </a:p>
         </p:txBody>
       </p:sp>
@@ -15198,8 +15281,8 @@
         </p:nvSpPr>
         <p:spPr>
           <a:xfrm>
-            <a:off x="11130951" y="6211669"/>
-            <a:ext cx="1066800" cy="646331"/>
+            <a:off x="11039475" y="6211669"/>
+            <a:ext cx="1152525" cy="646331"/>
           </a:xfrm>
           <a:prstGeom prst="rect">
             <a:avLst/>
@@ -15213,6 +15296,20 @@
           <a:lstStyle/>
           <a:p>
             <a:r>
+              <a:rPr lang="ru-RU" sz="3600" dirty="0">
+                <a:effectLst>
+                  <a:outerShdw blurRad="38100" dist="38100" dir="2700000" algn="tl">
+                    <a:srgbClr val="000000">
+                      <a:alpha val="43137"/>
+                    </a:srgbClr>
+                  </a:outerShdw>
+                </a:effectLst>
+                <a:latin typeface="Times New Roman" panose="02020603050405020304" pitchFamily="18" charset="0"/>
+                <a:cs typeface="Times New Roman" panose="02020603050405020304" pitchFamily="18" charset="0"/>
+              </a:rPr>
+              <a:t>6/</a:t>
+            </a:r>
+            <a:r>
               <a:rPr lang="en-US" sz="3600" dirty="0">
                 <a:effectLst>
                   <a:outerShdw blurRad="38100" dist="38100" dir="2700000" algn="tl">
@@ -15224,7 +15321,7 @@
                 <a:latin typeface="Times New Roman" panose="02020603050405020304" pitchFamily="18" charset="0"/>
                 <a:cs typeface="Times New Roman" panose="02020603050405020304" pitchFamily="18" charset="0"/>
               </a:rPr>
-              <a:t>6</a:t>
+              <a:t>1</a:t>
             </a:r>
             <a:r>
               <a:rPr lang="ru-RU" sz="3600" dirty="0">
@@ -15238,28 +15335,18 @@
                 <a:latin typeface="Times New Roman" panose="02020603050405020304" pitchFamily="18" charset="0"/>
                 <a:cs typeface="Times New Roman" panose="02020603050405020304" pitchFamily="18" charset="0"/>
               </a:rPr>
-              <a:t>/13</a:t>
-            </a:r>
-            <a:endParaRPr lang="en-US" sz="3600" dirty="0">
-              <a:effectLst>
-                <a:outerShdw blurRad="38100" dist="38100" dir="2700000" algn="tl">
-                  <a:srgbClr val="000000">
-                    <a:alpha val="43137"/>
-                  </a:srgbClr>
-                </a:outerShdw>
-              </a:effectLst>
-              <a:latin typeface="Times New Roman" panose="02020603050405020304" pitchFamily="18" charset="0"/>
-              <a:cs typeface="Times New Roman" panose="02020603050405020304" pitchFamily="18" charset="0"/>
-            </a:endParaRPr>
+              <a:t>4</a:t>
+            </a:r>
+            <a:endParaRPr lang="ru-RU" sz="3600" dirty="0"/>
           </a:p>
         </p:txBody>
       </p:sp>
       <p:sp>
         <p:nvSpPr>
-          <p:cNvPr id="7" name="TextBox 6">
+          <p:cNvPr id="13" name="TextBox 12">
             <a:extLst>
               <a:ext uri="{FF2B5EF4-FFF2-40B4-BE49-F238E27FC236}">
-                <a16:creationId xmlns:a16="http://schemas.microsoft.com/office/drawing/2014/main" id="{D49423E3-1F69-413F-A2E2-1965C322B58D}"/>
+                <a16:creationId xmlns:a16="http://schemas.microsoft.com/office/drawing/2014/main" id="{D4E40338-6728-4DF7-ABCE-04BC99262F9E}"/>
               </a:ext>
             </a:extLst>
           </p:cNvPr>
@@ -15268,229 +15355,8 @@
         </p:nvSpPr>
         <p:spPr>
           <a:xfrm>
-            <a:off x="716398" y="1502688"/>
-            <a:ext cx="10635345" cy="4708981"/>
-          </a:xfrm>
-          <a:prstGeom prst="rect">
-            <a:avLst/>
-          </a:prstGeom>
-          <a:noFill/>
-        </p:spPr>
-        <p:txBody>
-          <a:bodyPr wrap="square" numCol="1">
-            <a:spAutoFit/>
-          </a:bodyPr>
-          <a:lstStyle/>
-          <a:p>
-            <a:pPr marL="360000" lvl="3" indent="450000" algn="just">
-              <a:buClr>
-                <a:schemeClr val="tx1"/>
-              </a:buClr>
-              <a:buSzPct val="100000"/>
-              <a:buFont typeface="+mj-lt"/>
-              <a:buAutoNum type="arabicPeriod"/>
-            </a:pPr>
-            <a:r>
-              <a:rPr lang="ru-RU" sz="2000" cap="all" dirty="0">
-                <a:ea typeface="+mj-ea"/>
-                <a:cs typeface="+mj-cs"/>
-              </a:rPr>
-              <a:t>Функция входа в Аккаунт</a:t>
-            </a:r>
-            <a:r>
-              <a:rPr lang="en-US" sz="2000" cap="all" dirty="0">
-                <a:ea typeface="+mj-ea"/>
-                <a:cs typeface="+mj-cs"/>
-              </a:rPr>
-              <a:t>;</a:t>
-            </a:r>
-            <a:endParaRPr lang="ru-RU" sz="2000" cap="all" dirty="0">
-              <a:ea typeface="+mj-ea"/>
-              <a:cs typeface="+mj-cs"/>
-            </a:endParaRPr>
-          </a:p>
-          <a:p>
-            <a:pPr marL="360000" lvl="3" indent="450000" algn="just">
-              <a:buClr>
-                <a:schemeClr val="tx1"/>
-              </a:buClr>
-              <a:buSzPct val="100000"/>
-              <a:buFont typeface="+mj-lt"/>
-              <a:buAutoNum type="arabicPeriod"/>
-            </a:pPr>
-            <a:r>
-              <a:rPr lang="ru-RU" sz="2000" cap="all" dirty="0">
-                <a:ea typeface="+mj-ea"/>
-                <a:cs typeface="+mj-cs"/>
-              </a:rPr>
-              <a:t>Функция просмотра расписания с информацией (время, где, с кем);</a:t>
-            </a:r>
-          </a:p>
-          <a:p>
-            <a:pPr marL="360000" lvl="3" indent="450000" algn="just">
-              <a:buClr>
-                <a:schemeClr val="tx1"/>
-              </a:buClr>
-              <a:buSzPct val="100000"/>
-              <a:buFont typeface="+mj-lt"/>
-              <a:buAutoNum type="arabicPeriod"/>
-            </a:pPr>
-            <a:r>
-              <a:rPr lang="ru-RU" sz="2000" cap="all" dirty="0">
-                <a:ea typeface="+mj-ea"/>
-                <a:cs typeface="+mj-cs"/>
-              </a:rPr>
-              <a:t>Функция изменения расписания</a:t>
-            </a:r>
-            <a:r>
-              <a:rPr lang="en-US" sz="2000" cap="all" dirty="0">
-                <a:ea typeface="+mj-ea"/>
-                <a:cs typeface="+mj-cs"/>
-              </a:rPr>
-              <a:t>;</a:t>
-            </a:r>
-            <a:endParaRPr lang="ru-RU" sz="2000" cap="all" dirty="0">
-              <a:ea typeface="+mj-ea"/>
-              <a:cs typeface="+mj-cs"/>
-            </a:endParaRPr>
-          </a:p>
-          <a:p>
-            <a:pPr marL="360000" lvl="3" indent="450000" algn="just">
-              <a:buClr>
-                <a:schemeClr val="tx1"/>
-              </a:buClr>
-              <a:buSzPct val="100000"/>
-              <a:buFont typeface="+mj-lt"/>
-              <a:buAutoNum type="arabicPeriod"/>
-            </a:pPr>
-            <a:r>
-              <a:rPr lang="ru-RU" sz="2000" cap="all" dirty="0">
-                <a:ea typeface="+mj-ea"/>
-                <a:cs typeface="+mj-cs"/>
-              </a:rPr>
-              <a:t>Функция просмотра личных оценок студента;</a:t>
-            </a:r>
-          </a:p>
-          <a:p>
-            <a:pPr marL="360000" lvl="3" indent="450000" algn="just">
-              <a:buClr>
-                <a:schemeClr val="tx1"/>
-              </a:buClr>
-              <a:buSzPct val="100000"/>
-              <a:buFont typeface="+mj-lt"/>
-              <a:buAutoNum type="arabicPeriod"/>
-            </a:pPr>
-            <a:r>
-              <a:rPr lang="ru-RU" sz="2000" cap="all" dirty="0">
-                <a:ea typeface="+mj-ea"/>
-                <a:cs typeface="+mj-cs"/>
-              </a:rPr>
-              <a:t>Функция просмотра личного рейтинга студента, основанного на оценках, посещаемости и замечаниях;</a:t>
-            </a:r>
-          </a:p>
-          <a:p>
-            <a:pPr marL="360000" lvl="3" indent="450000" algn="just">
-              <a:buClr>
-                <a:schemeClr val="tx1"/>
-              </a:buClr>
-              <a:buSzPct val="100000"/>
-              <a:buFont typeface="+mj-lt"/>
-              <a:buAutoNum type="arabicPeriod"/>
-            </a:pPr>
-            <a:r>
-              <a:rPr lang="ru-RU" sz="2000" cap="all" dirty="0">
-                <a:ea typeface="+mj-ea"/>
-                <a:cs typeface="+mj-cs"/>
-              </a:rPr>
-              <a:t>Функция просмотра аналитической оценки успеваемости студента;</a:t>
-            </a:r>
-          </a:p>
-          <a:p>
-            <a:pPr marL="360000" lvl="3" indent="450000" algn="just">
-              <a:buClr>
-                <a:schemeClr val="tx1"/>
-              </a:buClr>
-              <a:buSzPct val="100000"/>
-              <a:buFont typeface="+mj-lt"/>
-              <a:buAutoNum type="arabicPeriod"/>
-            </a:pPr>
-            <a:r>
-              <a:rPr lang="ru-RU" sz="2000" cap="all" dirty="0">
-                <a:ea typeface="+mj-ea"/>
-                <a:cs typeface="+mj-cs"/>
-              </a:rPr>
-              <a:t>Функция выставления оценок с возможностью их дальнейшего исправления (в течение 7 дней), а также добавления комментарии к оценке;</a:t>
-            </a:r>
-          </a:p>
-          <a:p>
-            <a:pPr marL="360000" lvl="3" indent="450000" algn="just">
-              <a:buClr>
-                <a:schemeClr val="tx1"/>
-              </a:buClr>
-              <a:buSzPct val="100000"/>
-              <a:buFont typeface="+mj-lt"/>
-              <a:buAutoNum type="arabicPeriod"/>
-            </a:pPr>
-            <a:r>
-              <a:rPr lang="ru-RU" sz="2000" cap="all" dirty="0">
-                <a:ea typeface="+mj-ea"/>
-                <a:cs typeface="+mj-cs"/>
-              </a:rPr>
-              <a:t>Функция просмотра сведений для абитуриентов (Поступающих) или пользователей, не прошедших регистрацию;</a:t>
-            </a:r>
-          </a:p>
-          <a:p>
-            <a:pPr marL="360000" lvl="3" indent="450000" algn="just">
-              <a:buClr>
-                <a:schemeClr val="tx1"/>
-              </a:buClr>
-              <a:buSzPct val="100000"/>
-              <a:buFont typeface="+mj-lt"/>
-              <a:buAutoNum type="arabicPeriod"/>
-            </a:pPr>
-            <a:r>
-              <a:rPr lang="ru-RU" sz="2000" cap="all" dirty="0">
-                <a:ea typeface="+mj-ea"/>
-                <a:cs typeface="+mj-cs"/>
-              </a:rPr>
-              <a:t>Функция просмотра вкладки: «Часто задаваемые вопросы», доступной для всех пользователей;</a:t>
-            </a:r>
-          </a:p>
-          <a:p>
-            <a:pPr marL="360000" lvl="3" indent="450000" algn="just">
-              <a:buClr>
-                <a:schemeClr val="tx1"/>
-              </a:buClr>
-              <a:buSzPct val="100000"/>
-              <a:buFont typeface="+mj-lt"/>
-              <a:buAutoNum type="arabicPeriod"/>
-            </a:pPr>
-            <a:r>
-              <a:rPr lang="ru-RU" sz="2000" cap="all" dirty="0">
-                <a:ea typeface="+mj-ea"/>
-                <a:cs typeface="+mj-cs"/>
-              </a:rPr>
-              <a:t>Функция Чата для связи с Технической Поддержкой доступная для авторизированных пользователей;</a:t>
-            </a:r>
-          </a:p>
-        </p:txBody>
-      </p:sp>
-      <p:sp>
-        <p:nvSpPr>
-          <p:cNvPr id="6" name="TextBox 5">
-            <a:extLst>
-              <a:ext uri="{FF2B5EF4-FFF2-40B4-BE49-F238E27FC236}">
-                <a16:creationId xmlns:a16="http://schemas.microsoft.com/office/drawing/2014/main" id="{82EA1426-B6CC-435A-A6EA-7807AED52AA9}"/>
-              </a:ext>
-            </a:extLst>
-          </p:cNvPr>
-          <p:cNvSpPr txBox="1"/>
-          <p:nvPr/>
-        </p:nvSpPr>
-        <p:spPr>
-          <a:xfrm>
-            <a:off x="3490895" y="964511"/>
-            <a:ext cx="5086350" cy="400110"/>
+            <a:off x="6683886" y="2468642"/>
+            <a:ext cx="4751879" cy="1737014"/>
           </a:xfrm>
           <a:prstGeom prst="rect">
             <a:avLst/>
@@ -15503,21 +15369,184 @@
           </a:bodyPr>
           <a:lstStyle/>
           <a:p>
-            <a:r>
-              <a:rPr lang="ru-RU" sz="2000" b="1" cap="all" dirty="0">
-                <a:ea typeface="+mj-ea"/>
-                <a:cs typeface="+mj-cs"/>
+            <a:pPr indent="450215" algn="just">
+              <a:lnSpc>
+                <a:spcPct val="110000"/>
+              </a:lnSpc>
+              <a:spcAft>
+                <a:spcPts val="800"/>
+              </a:spcAft>
+            </a:pPr>
+            <a:r>
+              <a:rPr lang="ru-RU" sz="2000" dirty="0">
+                <a:effectLst/>
+                <a:ea typeface="Calibri" panose="020F0502020204030204" pitchFamily="34" charset="0"/>
+                <a:cs typeface="Times New Roman" panose="02020603050405020304" pitchFamily="18" charset="0"/>
               </a:rPr>
-              <a:t>Ранжированный список функционала</a:t>
-            </a:r>
-            <a:endParaRPr lang="ru-RU" sz="2000" b="1" dirty="0"/>
+              <a:t>Выполнены</a:t>
+            </a:r>
+            <a:r>
+              <a:rPr lang="en-US" sz="2000" dirty="0">
+                <a:effectLst/>
+                <a:ea typeface="Calibri" panose="020F0502020204030204" pitchFamily="34" charset="0"/>
+                <a:cs typeface="Times New Roman" panose="02020603050405020304" pitchFamily="18" charset="0"/>
+              </a:rPr>
+              <a:t> </a:t>
+            </a:r>
+            <a:r>
+              <a:rPr lang="ru-RU" sz="2000" dirty="0">
+                <a:effectLst/>
+                <a:ea typeface="Calibri" panose="020F0502020204030204" pitchFamily="34" charset="0"/>
+                <a:cs typeface="Times New Roman" panose="02020603050405020304" pitchFamily="18" charset="0"/>
+              </a:rPr>
+              <a:t>принципы </a:t>
+            </a:r>
+            <a:r>
+              <a:rPr lang="en-US" sz="2000" dirty="0">
+                <a:effectLst/>
+                <a:ea typeface="Calibri" panose="020F0502020204030204" pitchFamily="34" charset="0"/>
+                <a:cs typeface="Times New Roman" panose="02020603050405020304" pitchFamily="18" charset="0"/>
+              </a:rPr>
+              <a:t>GUI</a:t>
+            </a:r>
+            <a:r>
+              <a:rPr lang="en-US" sz="2000" dirty="0">
+                <a:ea typeface="Calibri" panose="020F0502020204030204" pitchFamily="34" charset="0"/>
+                <a:cs typeface="Times New Roman" panose="02020603050405020304" pitchFamily="18" charset="0"/>
+              </a:rPr>
+              <a:t>:</a:t>
+            </a:r>
+            <a:endParaRPr lang="ru-RU" sz="2000" dirty="0">
+              <a:effectLst/>
+              <a:ea typeface="Calibri" panose="020F0502020204030204" pitchFamily="34" charset="0"/>
+              <a:cs typeface="Times New Roman" panose="02020603050405020304" pitchFamily="18" charset="0"/>
+            </a:endParaRPr>
+          </a:p>
+          <a:p>
+            <a:pPr marL="800100" lvl="1" indent="342900" algn="just">
+              <a:lnSpc>
+                <a:spcPct val="110000"/>
+              </a:lnSpc>
+              <a:spcAft>
+                <a:spcPts val="800"/>
+              </a:spcAft>
+              <a:buFont typeface="Arial" panose="020B0604020202020204" pitchFamily="34" charset="0"/>
+              <a:buChar char="•"/>
+            </a:pPr>
+            <a:r>
+              <a:rPr lang="ru-RU" sz="2000" dirty="0">
+                <a:effectLst/>
+                <a:ea typeface="Calibri" panose="020F0502020204030204" pitchFamily="34" charset="0"/>
+                <a:cs typeface="Times New Roman" panose="02020603050405020304" pitchFamily="18" charset="0"/>
+              </a:rPr>
+              <a:t>принцип простоты</a:t>
+            </a:r>
+          </a:p>
+          <a:p>
+            <a:pPr marL="800100" lvl="1" indent="342900" algn="just">
+              <a:lnSpc>
+                <a:spcPct val="110000"/>
+              </a:lnSpc>
+              <a:spcAft>
+                <a:spcPts val="800"/>
+              </a:spcAft>
+              <a:buFont typeface="Arial" panose="020B0604020202020204" pitchFamily="34" charset="0"/>
+              <a:buChar char="•"/>
+            </a:pPr>
+            <a:r>
+              <a:rPr lang="ru-RU" sz="2000" dirty="0">
+                <a:effectLst/>
+                <a:ea typeface="Calibri" panose="020F0502020204030204" pitchFamily="34" charset="0"/>
+                <a:cs typeface="Times New Roman" panose="02020603050405020304" pitchFamily="18" charset="0"/>
+              </a:rPr>
+              <a:t>принцип видимости</a:t>
+            </a:r>
+          </a:p>
+          <a:p>
+            <a:pPr marL="800100" lvl="1" indent="342900" algn="just">
+              <a:lnSpc>
+                <a:spcPct val="110000"/>
+              </a:lnSpc>
+              <a:spcAft>
+                <a:spcPts val="800"/>
+              </a:spcAft>
+              <a:buFont typeface="Arial" panose="020B0604020202020204" pitchFamily="34" charset="0"/>
+              <a:buChar char="•"/>
+            </a:pPr>
+            <a:r>
+              <a:rPr lang="ru-RU" sz="2000" dirty="0">
+                <a:effectLst/>
+                <a:ea typeface="Calibri" panose="020F0502020204030204" pitchFamily="34" charset="0"/>
+                <a:cs typeface="Times New Roman" panose="02020603050405020304" pitchFamily="18" charset="0"/>
+              </a:rPr>
+              <a:t>принцип структуризации. </a:t>
+            </a:r>
+            <a:endParaRPr lang="ru-RU" dirty="0">
+              <a:effectLst/>
+              <a:ea typeface="Calibri" panose="020F0502020204030204" pitchFamily="34" charset="0"/>
+              <a:cs typeface="Times New Roman" panose="02020603050405020304" pitchFamily="18" charset="0"/>
+            </a:endParaRPr>
           </a:p>
         </p:txBody>
       </p:sp>
+      <p:pic>
+        <p:nvPicPr>
+          <p:cNvPr id="6" name="Рисунок 5">
+            <a:extLst>
+              <a:ext uri="{FF2B5EF4-FFF2-40B4-BE49-F238E27FC236}">
+                <a16:creationId xmlns:a16="http://schemas.microsoft.com/office/drawing/2014/main" id="{94A77B95-0613-43D0-829B-47FB50281906}"/>
+              </a:ext>
+            </a:extLst>
+          </p:cNvPr>
+          <p:cNvPicPr/>
+          <p:nvPr/>
+        </p:nvPicPr>
+        <p:blipFill rotWithShape="1">
+          <a:blip r:embed="rId2"/>
+          <a:srcRect l="1112" t="2889" r="577" b="1281"/>
+          <a:stretch/>
+        </p:blipFill>
+        <p:spPr>
+          <a:xfrm>
+            <a:off x="882622" y="1164566"/>
+            <a:ext cx="3600000" cy="2448000"/>
+          </a:xfrm>
+          <a:prstGeom prst="rect">
+            <a:avLst/>
+          </a:prstGeom>
+        </p:spPr>
+      </p:pic>
+      <p:pic>
+        <p:nvPicPr>
+          <p:cNvPr id="8" name="Рисунок 7">
+            <a:extLst>
+              <a:ext uri="{FF2B5EF4-FFF2-40B4-BE49-F238E27FC236}">
+                <a16:creationId xmlns:a16="http://schemas.microsoft.com/office/drawing/2014/main" id="{C96A1220-9ED3-4C1B-B94F-328B6D3A40DB}"/>
+              </a:ext>
+            </a:extLst>
+          </p:cNvPr>
+          <p:cNvPicPr/>
+          <p:nvPr/>
+        </p:nvPicPr>
+        <p:blipFill rotWithShape="1">
+          <a:blip r:embed="rId3"/>
+          <a:srcRect l="1104" t="4556" r="3291" b="1547"/>
+          <a:stretch/>
+        </p:blipFill>
+        <p:spPr>
+          <a:xfrm>
+            <a:off x="1813559" y="3938956"/>
+            <a:ext cx="3562351" cy="2448000"/>
+          </a:xfrm>
+          <a:prstGeom prst="rect">
+            <a:avLst/>
+          </a:prstGeom>
+        </p:spPr>
+      </p:pic>
     </p:spTree>
     <p:extLst>
       <p:ext uri="{BB962C8B-B14F-4D97-AF65-F5344CB8AC3E}">
-        <p14:creationId xmlns:p14="http://schemas.microsoft.com/office/powerpoint/2010/main" val="979892160"/>
+        <p14:creationId xmlns:p14="http://schemas.microsoft.com/office/powerpoint/2010/main" val="336048852"/>
       </p:ext>
     </p:extLst>
   </p:cSld>
@@ -15589,8 +15618,8 @@
         </p:nvSpPr>
         <p:spPr>
           <a:xfrm>
-            <a:off x="11153775" y="6211669"/>
-            <a:ext cx="1038225" cy="646331"/>
+            <a:off x="11125200" y="6211669"/>
+            <a:ext cx="1066800" cy="646331"/>
           </a:xfrm>
           <a:prstGeom prst="rect">
             <a:avLst/>
@@ -15615,9 +15644,19 @@
                 <a:latin typeface="Times New Roman" panose="02020603050405020304" pitchFamily="18" charset="0"/>
                 <a:cs typeface="Times New Roman" panose="02020603050405020304" pitchFamily="18" charset="0"/>
               </a:rPr>
-              <a:t>7/13</a:t>
-            </a:r>
-            <a:endParaRPr lang="ru-RU" sz="3600" dirty="0"/>
+              <a:t>7/14</a:t>
+            </a:r>
+            <a:endParaRPr lang="en-US" sz="3600" dirty="0">
+              <a:effectLst>
+                <a:outerShdw blurRad="38100" dist="38100" dir="2700000" algn="tl">
+                  <a:srgbClr val="000000">
+                    <a:alpha val="43137"/>
+                  </a:srgbClr>
+                </a:outerShdw>
+              </a:effectLst>
+              <a:latin typeface="Times New Roman" panose="02020603050405020304" pitchFamily="18" charset="0"/>
+              <a:cs typeface="Times New Roman" panose="02020603050405020304" pitchFamily="18" charset="0"/>
+            </a:endParaRPr>
           </a:p>
         </p:txBody>
       </p:sp>
@@ -15635,8 +15674,229 @@
         </p:nvSpPr>
         <p:spPr>
           <a:xfrm>
-            <a:off x="2943210" y="1659285"/>
-            <a:ext cx="6181724" cy="3539430"/>
+            <a:off x="716398" y="1502688"/>
+            <a:ext cx="10635345" cy="4708981"/>
+          </a:xfrm>
+          <a:prstGeom prst="rect">
+            <a:avLst/>
+          </a:prstGeom>
+          <a:noFill/>
+        </p:spPr>
+        <p:txBody>
+          <a:bodyPr wrap="square" numCol="1">
+            <a:spAutoFit/>
+          </a:bodyPr>
+          <a:lstStyle/>
+          <a:p>
+            <a:pPr marL="360000" lvl="3" indent="450000" algn="just">
+              <a:buClr>
+                <a:schemeClr val="tx1"/>
+              </a:buClr>
+              <a:buSzPct val="100000"/>
+              <a:buFont typeface="+mj-lt"/>
+              <a:buAutoNum type="arabicPeriod"/>
+            </a:pPr>
+            <a:r>
+              <a:rPr lang="ru-RU" sz="2000" cap="all" dirty="0">
+                <a:ea typeface="+mj-ea"/>
+                <a:cs typeface="+mj-cs"/>
+              </a:rPr>
+              <a:t>Функция входа в Аккаунт</a:t>
+            </a:r>
+            <a:r>
+              <a:rPr lang="en-US" sz="2000" cap="all" dirty="0">
+                <a:ea typeface="+mj-ea"/>
+                <a:cs typeface="+mj-cs"/>
+              </a:rPr>
+              <a:t>;</a:t>
+            </a:r>
+            <a:endParaRPr lang="ru-RU" sz="2000" cap="all" dirty="0">
+              <a:ea typeface="+mj-ea"/>
+              <a:cs typeface="+mj-cs"/>
+            </a:endParaRPr>
+          </a:p>
+          <a:p>
+            <a:pPr marL="360000" lvl="3" indent="450000" algn="just">
+              <a:buClr>
+                <a:schemeClr val="tx1"/>
+              </a:buClr>
+              <a:buSzPct val="100000"/>
+              <a:buFont typeface="+mj-lt"/>
+              <a:buAutoNum type="arabicPeriod"/>
+            </a:pPr>
+            <a:r>
+              <a:rPr lang="ru-RU" sz="2000" cap="all" dirty="0">
+                <a:ea typeface="+mj-ea"/>
+                <a:cs typeface="+mj-cs"/>
+              </a:rPr>
+              <a:t>Функция просмотра расписания с информацией (время, где, с кем);</a:t>
+            </a:r>
+          </a:p>
+          <a:p>
+            <a:pPr marL="360000" lvl="3" indent="450000" algn="just">
+              <a:buClr>
+                <a:schemeClr val="tx1"/>
+              </a:buClr>
+              <a:buSzPct val="100000"/>
+              <a:buFont typeface="+mj-lt"/>
+              <a:buAutoNum type="arabicPeriod"/>
+            </a:pPr>
+            <a:r>
+              <a:rPr lang="ru-RU" sz="2000" cap="all" dirty="0">
+                <a:ea typeface="+mj-ea"/>
+                <a:cs typeface="+mj-cs"/>
+              </a:rPr>
+              <a:t>Функция изменения расписания</a:t>
+            </a:r>
+            <a:r>
+              <a:rPr lang="en-US" sz="2000" cap="all" dirty="0">
+                <a:ea typeface="+mj-ea"/>
+                <a:cs typeface="+mj-cs"/>
+              </a:rPr>
+              <a:t>;</a:t>
+            </a:r>
+            <a:endParaRPr lang="ru-RU" sz="2000" cap="all" dirty="0">
+              <a:ea typeface="+mj-ea"/>
+              <a:cs typeface="+mj-cs"/>
+            </a:endParaRPr>
+          </a:p>
+          <a:p>
+            <a:pPr marL="360000" lvl="3" indent="450000" algn="just">
+              <a:buClr>
+                <a:schemeClr val="tx1"/>
+              </a:buClr>
+              <a:buSzPct val="100000"/>
+              <a:buFont typeface="+mj-lt"/>
+              <a:buAutoNum type="arabicPeriod"/>
+            </a:pPr>
+            <a:r>
+              <a:rPr lang="ru-RU" sz="2000" cap="all" dirty="0">
+                <a:ea typeface="+mj-ea"/>
+                <a:cs typeface="+mj-cs"/>
+              </a:rPr>
+              <a:t>Функция просмотра личных оценок студента;</a:t>
+            </a:r>
+          </a:p>
+          <a:p>
+            <a:pPr marL="360000" lvl="3" indent="450000" algn="just">
+              <a:buClr>
+                <a:schemeClr val="tx1"/>
+              </a:buClr>
+              <a:buSzPct val="100000"/>
+              <a:buFont typeface="+mj-lt"/>
+              <a:buAutoNum type="arabicPeriod"/>
+            </a:pPr>
+            <a:r>
+              <a:rPr lang="ru-RU" sz="2000" cap="all" dirty="0">
+                <a:ea typeface="+mj-ea"/>
+                <a:cs typeface="+mj-cs"/>
+              </a:rPr>
+              <a:t>Функция просмотра личного рейтинга студента, основанного на оценках, посещаемости и замечаниях;</a:t>
+            </a:r>
+          </a:p>
+          <a:p>
+            <a:pPr marL="360000" lvl="3" indent="450000" algn="just">
+              <a:buClr>
+                <a:schemeClr val="tx1"/>
+              </a:buClr>
+              <a:buSzPct val="100000"/>
+              <a:buFont typeface="+mj-lt"/>
+              <a:buAutoNum type="arabicPeriod"/>
+            </a:pPr>
+            <a:r>
+              <a:rPr lang="ru-RU" sz="2000" cap="all" dirty="0">
+                <a:ea typeface="+mj-ea"/>
+                <a:cs typeface="+mj-cs"/>
+              </a:rPr>
+              <a:t>Функция просмотра аналитической оценки успеваемости студента;</a:t>
+            </a:r>
+          </a:p>
+          <a:p>
+            <a:pPr marL="360000" lvl="3" indent="450000" algn="just">
+              <a:buClr>
+                <a:schemeClr val="tx1"/>
+              </a:buClr>
+              <a:buSzPct val="100000"/>
+              <a:buFont typeface="+mj-lt"/>
+              <a:buAutoNum type="arabicPeriod"/>
+            </a:pPr>
+            <a:r>
+              <a:rPr lang="ru-RU" sz="2000" cap="all" dirty="0">
+                <a:ea typeface="+mj-ea"/>
+                <a:cs typeface="+mj-cs"/>
+              </a:rPr>
+              <a:t>Функция выставления оценок с возможностью их дальнейшего исправления (в течение 7 дней), а также добавления комментарии к оценке;</a:t>
+            </a:r>
+          </a:p>
+          <a:p>
+            <a:pPr marL="360000" lvl="3" indent="450000" algn="just">
+              <a:buClr>
+                <a:schemeClr val="tx1"/>
+              </a:buClr>
+              <a:buSzPct val="100000"/>
+              <a:buFont typeface="+mj-lt"/>
+              <a:buAutoNum type="arabicPeriod"/>
+            </a:pPr>
+            <a:r>
+              <a:rPr lang="ru-RU" sz="2000" cap="all" dirty="0">
+                <a:ea typeface="+mj-ea"/>
+                <a:cs typeface="+mj-cs"/>
+              </a:rPr>
+              <a:t>Функция просмотра сведений для абитуриентов (Поступающих) или пользователей, не прошедших регистрацию;</a:t>
+            </a:r>
+          </a:p>
+          <a:p>
+            <a:pPr marL="360000" lvl="3" indent="450000" algn="just">
+              <a:buClr>
+                <a:schemeClr val="tx1"/>
+              </a:buClr>
+              <a:buSzPct val="100000"/>
+              <a:buFont typeface="+mj-lt"/>
+              <a:buAutoNum type="arabicPeriod"/>
+            </a:pPr>
+            <a:r>
+              <a:rPr lang="ru-RU" sz="2000" cap="all" dirty="0">
+                <a:ea typeface="+mj-ea"/>
+                <a:cs typeface="+mj-cs"/>
+              </a:rPr>
+              <a:t>Функция просмотра вкладки: «Часто задаваемые вопросы», доступной для всех пользователей;</a:t>
+            </a:r>
+          </a:p>
+          <a:p>
+            <a:pPr marL="360000" lvl="3" indent="450000" algn="just">
+              <a:buClr>
+                <a:schemeClr val="tx1"/>
+              </a:buClr>
+              <a:buSzPct val="100000"/>
+              <a:buFont typeface="+mj-lt"/>
+              <a:buAutoNum type="arabicPeriod"/>
+            </a:pPr>
+            <a:r>
+              <a:rPr lang="ru-RU" sz="2000" cap="all" dirty="0">
+                <a:ea typeface="+mj-ea"/>
+                <a:cs typeface="+mj-cs"/>
+              </a:rPr>
+              <a:t>Функция Чата для связи с Технической Поддержкой доступная для авторизированных пользователей;</a:t>
+            </a:r>
+          </a:p>
+        </p:txBody>
+      </p:sp>
+      <p:sp>
+        <p:nvSpPr>
+          <p:cNvPr id="6" name="TextBox 5">
+            <a:extLst>
+              <a:ext uri="{FF2B5EF4-FFF2-40B4-BE49-F238E27FC236}">
+                <a16:creationId xmlns:a16="http://schemas.microsoft.com/office/drawing/2014/main" id="{82EA1426-B6CC-435A-A6EA-7807AED52AA9}"/>
+              </a:ext>
+            </a:extLst>
+          </p:cNvPr>
+          <p:cNvSpPr txBox="1"/>
+          <p:nvPr/>
+        </p:nvSpPr>
+        <p:spPr>
+          <a:xfrm>
+            <a:off x="3490895" y="964511"/>
+            <a:ext cx="5086350" cy="400110"/>
           </a:xfrm>
           <a:prstGeom prst="rect">
             <a:avLst/>
@@ -15649,211 +15909,21 @@
           </a:bodyPr>
           <a:lstStyle/>
           <a:p>
-            <a:pPr lvl="0" algn="ctr" fontAlgn="base">
-              <a:spcBef>
-                <a:spcPts val="1200"/>
-              </a:spcBef>
-              <a:spcAft>
-                <a:spcPts val="1200"/>
-              </a:spcAft>
-              <a:buClr>
-                <a:srgbClr val="000000"/>
-              </a:buClr>
-              <a:buSzPts val="1400"/>
-            </a:pPr>
-            <a:r>
-              <a:rPr lang="ru-RU" sz="2400" b="1" cap="all" dirty="0">
-                <a:ea typeface="+mj-ea"/>
-                <a:cs typeface="+mj-cs"/>
-              </a:rPr>
-              <a:t>СООБЩЕНИЯ ОПЕРАТОРУ</a:t>
-            </a:r>
-            <a:r>
-              <a:rPr lang="en-US" sz="2400" b="1" cap="all" dirty="0">
-                <a:ea typeface="+mj-ea"/>
-                <a:cs typeface="+mj-cs"/>
-              </a:rPr>
-              <a:t>:</a:t>
-            </a:r>
-            <a:endParaRPr lang="ru-RU" sz="2400" b="1" cap="all" dirty="0">
-              <a:ea typeface="+mj-ea"/>
-              <a:cs typeface="+mj-cs"/>
-            </a:endParaRPr>
-          </a:p>
-          <a:p>
-            <a:pPr lvl="1" algn="just">
-              <a:spcBef>
-                <a:spcPts val="1200"/>
-              </a:spcBef>
-              <a:spcAft>
-                <a:spcPts val="1200"/>
-              </a:spcAft>
-              <a:buSzPts val="1200"/>
-              <a:tabLst>
-                <a:tab pos="431800" algn="l"/>
-              </a:tabLst>
-            </a:pPr>
-            <a:r>
-              <a:rPr lang="ru-RU" sz="2000" cap="all" dirty="0">
-                <a:ea typeface="+mj-ea"/>
-                <a:cs typeface="+mj-cs"/>
-              </a:rPr>
-              <a:t>Ошибка: «</a:t>
-            </a:r>
             <a:r>
               <a:rPr lang="ru-RU" sz="2000" b="1" cap="all" dirty="0">
                 <a:ea typeface="+mj-ea"/>
                 <a:cs typeface="+mj-cs"/>
               </a:rPr>
-              <a:t>Неверный вход</a:t>
-            </a:r>
-            <a:r>
-              <a:rPr lang="ru-RU" sz="2000" cap="all" dirty="0">
-                <a:ea typeface="+mj-ea"/>
-                <a:cs typeface="+mj-cs"/>
-              </a:rPr>
-              <a:t>».</a:t>
-            </a:r>
-          </a:p>
-          <a:p>
-            <a:pPr lvl="1" algn="just">
-              <a:spcBef>
-                <a:spcPts val="1200"/>
-              </a:spcBef>
-              <a:spcAft>
-                <a:spcPts val="1200"/>
-              </a:spcAft>
-              <a:buSzPts val="1200"/>
-              <a:tabLst>
-                <a:tab pos="431800" algn="l"/>
-              </a:tabLst>
-            </a:pPr>
-            <a:r>
-              <a:rPr lang="ru-RU" sz="2000" cap="all" dirty="0">
-                <a:ea typeface="+mj-ea"/>
-                <a:cs typeface="+mj-cs"/>
-              </a:rPr>
-              <a:t>Сообщение: «</a:t>
-            </a:r>
-            <a:r>
-              <a:rPr lang="ru-RU" sz="2000" b="1" cap="all" dirty="0">
-                <a:ea typeface="+mj-ea"/>
-                <a:cs typeface="+mj-cs"/>
-              </a:rPr>
-              <a:t>Восстановить пароль</a:t>
-            </a:r>
-            <a:r>
-              <a:rPr lang="ru-RU" sz="2000" cap="all" dirty="0">
-                <a:ea typeface="+mj-ea"/>
-                <a:cs typeface="+mj-cs"/>
-              </a:rPr>
-              <a:t>».</a:t>
-            </a:r>
-          </a:p>
-          <a:p>
-            <a:pPr lvl="1" algn="just">
-              <a:spcBef>
-                <a:spcPts val="1200"/>
-              </a:spcBef>
-              <a:spcAft>
-                <a:spcPts val="1200"/>
-              </a:spcAft>
-              <a:buSzPts val="1200"/>
-              <a:tabLst>
-                <a:tab pos="431800" algn="l"/>
-              </a:tabLst>
-            </a:pPr>
-            <a:r>
-              <a:rPr lang="ru-RU" sz="2000" cap="all" dirty="0">
-                <a:ea typeface="+mj-ea"/>
-                <a:cs typeface="+mj-cs"/>
-              </a:rPr>
-              <a:t>Сообщение: «</a:t>
-            </a:r>
-            <a:r>
-              <a:rPr lang="ru-RU" sz="2000" b="1" cap="all" dirty="0">
-                <a:ea typeface="+mj-ea"/>
-                <a:cs typeface="+mj-cs"/>
-              </a:rPr>
-              <a:t>Попытка ввода неверных данных в расписании</a:t>
-            </a:r>
-            <a:r>
-              <a:rPr lang="ru-RU" sz="2000" cap="all" dirty="0">
-                <a:ea typeface="+mj-ea"/>
-                <a:cs typeface="+mj-cs"/>
-              </a:rPr>
-              <a:t>»</a:t>
-            </a:r>
-          </a:p>
-          <a:p>
-            <a:pPr lvl="1" algn="just">
-              <a:spcBef>
-                <a:spcPts val="1200"/>
-              </a:spcBef>
-              <a:spcAft>
-                <a:spcPts val="1200"/>
-              </a:spcAft>
-              <a:buSzPts val="1200"/>
-              <a:tabLst>
-                <a:tab pos="431800" algn="l"/>
-              </a:tabLst>
-            </a:pPr>
-            <a:r>
-              <a:rPr lang="ru-RU" sz="2000" cap="all" dirty="0">
-                <a:ea typeface="+mj-ea"/>
-                <a:cs typeface="+mj-cs"/>
-              </a:rPr>
-              <a:t>Ошибка: «</a:t>
-            </a:r>
-            <a:r>
-              <a:rPr lang="ru-RU" sz="2000" b="1" cap="all" dirty="0">
-                <a:ea typeface="+mj-ea"/>
-                <a:cs typeface="+mj-cs"/>
-              </a:rPr>
-              <a:t>Попытка перейти в </a:t>
-            </a:r>
-            <a:r>
-              <a:rPr lang="ru-RU" sz="2000" b="1" cap="all" dirty="0" err="1">
-                <a:ea typeface="+mj-ea"/>
-                <a:cs typeface="+mj-cs"/>
-              </a:rPr>
-              <a:t>Telegram</a:t>
-            </a:r>
-            <a:r>
-              <a:rPr lang="ru-RU" sz="2000" b="1" cap="all" dirty="0">
-                <a:ea typeface="+mj-ea"/>
-                <a:cs typeface="+mj-cs"/>
-              </a:rPr>
-              <a:t> </a:t>
-            </a:r>
-            <a:r>
-              <a:rPr lang="en-US" sz="2000" b="1" cap="all" dirty="0">
-                <a:ea typeface="+mj-ea"/>
-                <a:cs typeface="+mj-cs"/>
-              </a:rPr>
-              <a:t>BOT</a:t>
-            </a:r>
-            <a:r>
-              <a:rPr lang="ru-RU" sz="2000" b="1" cap="all" dirty="0">
-                <a:ea typeface="+mj-ea"/>
-                <a:cs typeface="+mj-cs"/>
-              </a:rPr>
-              <a:t> неавторизованного пользователя</a:t>
-            </a:r>
-            <a:r>
-              <a:rPr lang="ru-RU" sz="2000" cap="all" dirty="0">
-                <a:ea typeface="+mj-ea"/>
-                <a:cs typeface="+mj-cs"/>
-              </a:rPr>
-              <a:t>»</a:t>
-            </a:r>
+              <a:t>Ранжированный список функционала</a:t>
+            </a:r>
+            <a:endParaRPr lang="ru-RU" sz="2000" b="1" dirty="0"/>
           </a:p>
         </p:txBody>
       </p:sp>
     </p:spTree>
     <p:extLst>
       <p:ext uri="{BB962C8B-B14F-4D97-AF65-F5344CB8AC3E}">
-        <p14:creationId xmlns:p14="http://schemas.microsoft.com/office/powerpoint/2010/main" val="2988977895"/>
+        <p14:creationId xmlns:p14="http://schemas.microsoft.com/office/powerpoint/2010/main" val="979892160"/>
       </p:ext>
     </p:extLst>
   </p:cSld>
@@ -15892,6 +15962,342 @@
         </p:nvSpPr>
         <p:spPr>
           <a:xfrm>
+            <a:off x="3164409" y="104031"/>
+            <a:ext cx="5739326" cy="1060535"/>
+          </a:xfrm>
+        </p:spPr>
+        <p:txBody>
+          <a:bodyPr>
+            <a:normAutofit/>
+          </a:bodyPr>
+          <a:lstStyle/>
+          <a:p>
+            <a:r>
+              <a:rPr lang="ru-RU" b="1" dirty="0">
+                <a:effectLst/>
+              </a:rPr>
+              <a:t>Руководство оператора</a:t>
+            </a:r>
+          </a:p>
+        </p:txBody>
+      </p:sp>
+      <p:sp>
+        <p:nvSpPr>
+          <p:cNvPr id="22" name="TextBox 21">
+            <a:extLst>
+              <a:ext uri="{FF2B5EF4-FFF2-40B4-BE49-F238E27FC236}">
+                <a16:creationId xmlns:a16="http://schemas.microsoft.com/office/drawing/2014/main" id="{670A3690-A2A6-64B5-D3C9-57C20936C17D}"/>
+              </a:ext>
+            </a:extLst>
+          </p:cNvPr>
+          <p:cNvSpPr txBox="1"/>
+          <p:nvPr/>
+        </p:nvSpPr>
+        <p:spPr>
+          <a:xfrm>
+            <a:off x="11153775" y="6211669"/>
+            <a:ext cx="1038225" cy="646331"/>
+          </a:xfrm>
+          <a:prstGeom prst="rect">
+            <a:avLst/>
+          </a:prstGeom>
+          <a:noFill/>
+        </p:spPr>
+        <p:txBody>
+          <a:bodyPr wrap="square">
+            <a:spAutoFit/>
+          </a:bodyPr>
+          <a:lstStyle/>
+          <a:p>
+            <a:r>
+              <a:rPr lang="ru-RU" sz="3600" dirty="0">
+                <a:effectLst>
+                  <a:outerShdw blurRad="38100" dist="38100" dir="2700000" algn="tl">
+                    <a:srgbClr val="000000">
+                      <a:alpha val="43137"/>
+                    </a:srgbClr>
+                  </a:outerShdw>
+                </a:effectLst>
+                <a:latin typeface="Times New Roman" panose="02020603050405020304" pitchFamily="18" charset="0"/>
+                <a:cs typeface="Times New Roman" panose="02020603050405020304" pitchFamily="18" charset="0"/>
+              </a:rPr>
+              <a:t>8/14</a:t>
+            </a:r>
+            <a:endParaRPr lang="ru-RU" sz="3600" dirty="0"/>
+          </a:p>
+        </p:txBody>
+      </p:sp>
+      <p:sp>
+        <p:nvSpPr>
+          <p:cNvPr id="7" name="TextBox 6">
+            <a:extLst>
+              <a:ext uri="{FF2B5EF4-FFF2-40B4-BE49-F238E27FC236}">
+                <a16:creationId xmlns:a16="http://schemas.microsoft.com/office/drawing/2014/main" id="{D49423E3-1F69-413F-A2E2-1965C322B58D}"/>
+              </a:ext>
+            </a:extLst>
+          </p:cNvPr>
+          <p:cNvSpPr txBox="1"/>
+          <p:nvPr/>
+        </p:nvSpPr>
+        <p:spPr>
+          <a:xfrm>
+            <a:off x="2943210" y="1659285"/>
+            <a:ext cx="6181724" cy="3539430"/>
+          </a:xfrm>
+          <a:prstGeom prst="rect">
+            <a:avLst/>
+          </a:prstGeom>
+          <a:noFill/>
+        </p:spPr>
+        <p:txBody>
+          <a:bodyPr wrap="square">
+            <a:spAutoFit/>
+          </a:bodyPr>
+          <a:lstStyle/>
+          <a:p>
+            <a:pPr lvl="0" algn="ctr" fontAlgn="base">
+              <a:spcBef>
+                <a:spcPts val="1200"/>
+              </a:spcBef>
+              <a:spcAft>
+                <a:spcPts val="1200"/>
+              </a:spcAft>
+              <a:buClr>
+                <a:srgbClr val="000000"/>
+              </a:buClr>
+              <a:buSzPts val="1400"/>
+            </a:pPr>
+            <a:r>
+              <a:rPr lang="ru-RU" sz="2400" b="1" cap="all" dirty="0">
+                <a:ea typeface="+mj-ea"/>
+                <a:cs typeface="+mj-cs"/>
+              </a:rPr>
+              <a:t>СООБЩЕНИЯ ОПЕРАТОРУ</a:t>
+            </a:r>
+            <a:r>
+              <a:rPr lang="en-US" sz="2400" b="1" cap="all" dirty="0">
+                <a:ea typeface="+mj-ea"/>
+                <a:cs typeface="+mj-cs"/>
+              </a:rPr>
+              <a:t>:</a:t>
+            </a:r>
+            <a:endParaRPr lang="ru-RU" sz="2400" b="1" cap="all" dirty="0">
+              <a:ea typeface="+mj-ea"/>
+              <a:cs typeface="+mj-cs"/>
+            </a:endParaRPr>
+          </a:p>
+          <a:p>
+            <a:pPr lvl="1" algn="just">
+              <a:spcBef>
+                <a:spcPts val="1200"/>
+              </a:spcBef>
+              <a:spcAft>
+                <a:spcPts val="1200"/>
+              </a:spcAft>
+              <a:buSzPts val="1200"/>
+              <a:tabLst>
+                <a:tab pos="431800" algn="l"/>
+              </a:tabLst>
+            </a:pPr>
+            <a:r>
+              <a:rPr lang="ru-RU" sz="2000" cap="all" dirty="0">
+                <a:ea typeface="+mj-ea"/>
+                <a:cs typeface="+mj-cs"/>
+              </a:rPr>
+              <a:t>Ошибка: «</a:t>
+            </a:r>
+            <a:r>
+              <a:rPr lang="ru-RU" sz="2000" b="1" cap="all" dirty="0">
+                <a:ea typeface="+mj-ea"/>
+                <a:cs typeface="+mj-cs"/>
+              </a:rPr>
+              <a:t>Неверный вход</a:t>
+            </a:r>
+            <a:r>
+              <a:rPr lang="ru-RU" sz="2000" cap="all" dirty="0">
+                <a:ea typeface="+mj-ea"/>
+                <a:cs typeface="+mj-cs"/>
+              </a:rPr>
+              <a:t>».</a:t>
+            </a:r>
+          </a:p>
+          <a:p>
+            <a:pPr lvl="1" algn="just">
+              <a:spcBef>
+                <a:spcPts val="1200"/>
+              </a:spcBef>
+              <a:spcAft>
+                <a:spcPts val="1200"/>
+              </a:spcAft>
+              <a:buSzPts val="1200"/>
+              <a:tabLst>
+                <a:tab pos="431800" algn="l"/>
+              </a:tabLst>
+            </a:pPr>
+            <a:r>
+              <a:rPr lang="ru-RU" sz="2000" cap="all" dirty="0">
+                <a:ea typeface="+mj-ea"/>
+                <a:cs typeface="+mj-cs"/>
+              </a:rPr>
+              <a:t>Сообщение: «</a:t>
+            </a:r>
+            <a:r>
+              <a:rPr lang="ru-RU" sz="2000" b="1" cap="all" dirty="0">
+                <a:ea typeface="+mj-ea"/>
+                <a:cs typeface="+mj-cs"/>
+              </a:rPr>
+              <a:t>Восстановить пароль</a:t>
+            </a:r>
+            <a:r>
+              <a:rPr lang="ru-RU" sz="2000" cap="all" dirty="0">
+                <a:ea typeface="+mj-ea"/>
+                <a:cs typeface="+mj-cs"/>
+              </a:rPr>
+              <a:t>».</a:t>
+            </a:r>
+          </a:p>
+          <a:p>
+            <a:pPr lvl="1" algn="just">
+              <a:spcBef>
+                <a:spcPts val="1200"/>
+              </a:spcBef>
+              <a:spcAft>
+                <a:spcPts val="1200"/>
+              </a:spcAft>
+              <a:buSzPts val="1200"/>
+              <a:tabLst>
+                <a:tab pos="431800" algn="l"/>
+              </a:tabLst>
+            </a:pPr>
+            <a:r>
+              <a:rPr lang="ru-RU" sz="2000" cap="all" dirty="0">
+                <a:ea typeface="+mj-ea"/>
+                <a:cs typeface="+mj-cs"/>
+              </a:rPr>
+              <a:t>Сообщение: «</a:t>
+            </a:r>
+            <a:r>
+              <a:rPr lang="ru-RU" sz="2000" b="1" cap="all" dirty="0">
+                <a:ea typeface="+mj-ea"/>
+                <a:cs typeface="+mj-cs"/>
+              </a:rPr>
+              <a:t>Попытка ввода неверных данных в расписании</a:t>
+            </a:r>
+            <a:r>
+              <a:rPr lang="ru-RU" sz="2000" cap="all" dirty="0">
+                <a:ea typeface="+mj-ea"/>
+                <a:cs typeface="+mj-cs"/>
+              </a:rPr>
+              <a:t>»</a:t>
+            </a:r>
+          </a:p>
+          <a:p>
+            <a:pPr lvl="1" algn="just">
+              <a:spcBef>
+                <a:spcPts val="1200"/>
+              </a:spcBef>
+              <a:spcAft>
+                <a:spcPts val="1200"/>
+              </a:spcAft>
+              <a:buSzPts val="1200"/>
+              <a:tabLst>
+                <a:tab pos="431800" algn="l"/>
+              </a:tabLst>
+            </a:pPr>
+            <a:r>
+              <a:rPr lang="ru-RU" sz="2000" cap="all" dirty="0">
+                <a:ea typeface="+mj-ea"/>
+                <a:cs typeface="+mj-cs"/>
+              </a:rPr>
+              <a:t>Ошибка: «</a:t>
+            </a:r>
+            <a:r>
+              <a:rPr lang="ru-RU" sz="2000" b="1" cap="all" dirty="0">
+                <a:ea typeface="+mj-ea"/>
+                <a:cs typeface="+mj-cs"/>
+              </a:rPr>
+              <a:t>Попытка перейти в </a:t>
+            </a:r>
+            <a:r>
+              <a:rPr lang="ru-RU" sz="2000" b="1" cap="all" dirty="0" err="1">
+                <a:ea typeface="+mj-ea"/>
+                <a:cs typeface="+mj-cs"/>
+              </a:rPr>
+              <a:t>Telegram</a:t>
+            </a:r>
+            <a:r>
+              <a:rPr lang="ru-RU" sz="2000" b="1" cap="all" dirty="0">
+                <a:ea typeface="+mj-ea"/>
+                <a:cs typeface="+mj-cs"/>
+              </a:rPr>
+              <a:t> </a:t>
+            </a:r>
+            <a:r>
+              <a:rPr lang="en-US" sz="2000" b="1" cap="all" dirty="0">
+                <a:ea typeface="+mj-ea"/>
+                <a:cs typeface="+mj-cs"/>
+              </a:rPr>
+              <a:t>BOT</a:t>
+            </a:r>
+            <a:r>
+              <a:rPr lang="ru-RU" sz="2000" b="1" cap="all" dirty="0">
+                <a:ea typeface="+mj-ea"/>
+                <a:cs typeface="+mj-cs"/>
+              </a:rPr>
+              <a:t> неавторизованного пользователя</a:t>
+            </a:r>
+            <a:r>
+              <a:rPr lang="ru-RU" sz="2000" cap="all" dirty="0">
+                <a:ea typeface="+mj-ea"/>
+                <a:cs typeface="+mj-cs"/>
+              </a:rPr>
+              <a:t>»</a:t>
+            </a:r>
+          </a:p>
+        </p:txBody>
+      </p:sp>
+    </p:spTree>
+    <p:extLst>
+      <p:ext uri="{BB962C8B-B14F-4D97-AF65-F5344CB8AC3E}">
+        <p14:creationId xmlns:p14="http://schemas.microsoft.com/office/powerpoint/2010/main" val="2988977895"/>
+      </p:ext>
+    </p:extLst>
+  </p:cSld>
+  <p:clrMapOvr>
+    <a:masterClrMapping/>
+  </p:clrMapOvr>
+</p:sld>
+</file>
+
+<file path=ppt/slides/slide9.xml><?xml version="1.0" encoding="utf-8"?>
+<p:sld xmlns:a="http://schemas.openxmlformats.org/drawingml/2006/main" xmlns:r="http://schemas.openxmlformats.org/officeDocument/2006/relationships" xmlns:p="http://schemas.openxmlformats.org/presentationml/2006/main">
+  <p:cSld>
+    <p:spTree>
+      <p:nvGrpSpPr>
+        <p:cNvPr id="1" name=""/>
+        <p:cNvGrpSpPr/>
+        <p:nvPr/>
+      </p:nvGrpSpPr>
+      <p:grpSpPr>
+        <a:xfrm>
+          <a:off x="0" y="0"/>
+          <a:ext cx="0" cy="0"/>
+          <a:chOff x="0" y="0"/>
+          <a:chExt cx="0" cy="0"/>
+        </a:xfrm>
+      </p:grpSpPr>
+      <p:sp>
+        <p:nvSpPr>
+          <p:cNvPr id="2" name="Заголовок 1"/>
+          <p:cNvSpPr>
+            <a:spLocks noGrp="1"/>
+          </p:cNvSpPr>
+          <p:nvPr>
+            <p:ph type="title"/>
+          </p:nvPr>
+        </p:nvSpPr>
+        <p:spPr>
+          <a:xfrm>
             <a:off x="3226337" y="110515"/>
             <a:ext cx="5739326" cy="1060535"/>
           </a:xfrm>
@@ -15952,7 +16358,7 @@
                 <a:latin typeface="Times New Roman" panose="02020603050405020304" pitchFamily="18" charset="0"/>
                 <a:cs typeface="Times New Roman" panose="02020603050405020304" pitchFamily="18" charset="0"/>
               </a:rPr>
-              <a:t>8/13</a:t>
+              <a:t>9/14</a:t>
             </a:r>
             <a:endParaRPr lang="ru-RU" sz="3600" dirty="0"/>
           </a:p>
@@ -16244,191 +16650,6 @@
     <p:extLst>
       <p:ext uri="{BB962C8B-B14F-4D97-AF65-F5344CB8AC3E}">
         <p14:creationId xmlns:p14="http://schemas.microsoft.com/office/powerpoint/2010/main" val="2214108236"/>
-      </p:ext>
-    </p:extLst>
-  </p:cSld>
-  <p:clrMapOvr>
-    <a:masterClrMapping/>
-  </p:clrMapOvr>
-</p:sld>
-</file>
-
-<file path=ppt/slides/slide9.xml><?xml version="1.0" encoding="utf-8"?>
-<p:sld xmlns:a="http://schemas.openxmlformats.org/drawingml/2006/main" xmlns:r="http://schemas.openxmlformats.org/officeDocument/2006/relationships" xmlns:p="http://schemas.openxmlformats.org/presentationml/2006/main">
-  <p:cSld>
-    <p:spTree>
-      <p:nvGrpSpPr>
-        <p:cNvPr id="1" name=""/>
-        <p:cNvGrpSpPr/>
-        <p:nvPr/>
-      </p:nvGrpSpPr>
-      <p:grpSpPr>
-        <a:xfrm>
-          <a:off x="0" y="0"/>
-          <a:ext cx="0" cy="0"/>
-          <a:chOff x="0" y="0"/>
-          <a:chExt cx="0" cy="0"/>
-        </a:xfrm>
-      </p:grpSpPr>
-      <p:sp>
-        <p:nvSpPr>
-          <p:cNvPr id="2" name="Заголовок 1"/>
-          <p:cNvSpPr>
-            <a:spLocks noGrp="1"/>
-          </p:cNvSpPr>
-          <p:nvPr>
-            <p:ph type="title"/>
-          </p:nvPr>
-        </p:nvSpPr>
-        <p:spPr>
-          <a:xfrm>
-            <a:off x="3226337" y="110515"/>
-            <a:ext cx="5739326" cy="1060535"/>
-          </a:xfrm>
-        </p:spPr>
-        <p:txBody>
-          <a:bodyPr>
-            <a:normAutofit/>
-          </a:bodyPr>
-          <a:lstStyle/>
-          <a:p>
-            <a:pPr algn="ctr"/>
-            <a:r>
-              <a:rPr lang="ru-RU" b="1" dirty="0">
-                <a:effectLst/>
-              </a:rPr>
-              <a:t>Тестирование</a:t>
-            </a:r>
-          </a:p>
-        </p:txBody>
-      </p:sp>
-      <p:sp>
-        <p:nvSpPr>
-          <p:cNvPr id="22" name="TextBox 21">
-            <a:extLst>
-              <a:ext uri="{FF2B5EF4-FFF2-40B4-BE49-F238E27FC236}">
-                <a16:creationId xmlns:a16="http://schemas.microsoft.com/office/drawing/2014/main" id="{670A3690-A2A6-64B5-D3C9-57C20936C17D}"/>
-              </a:ext>
-            </a:extLst>
-          </p:cNvPr>
-          <p:cNvSpPr txBox="1"/>
-          <p:nvPr/>
-        </p:nvSpPr>
-        <p:spPr>
-          <a:xfrm>
-            <a:off x="10808899" y="6211669"/>
-            <a:ext cx="1383102" cy="646331"/>
-          </a:xfrm>
-          <a:prstGeom prst="rect">
-            <a:avLst/>
-          </a:prstGeom>
-          <a:noFill/>
-        </p:spPr>
-        <p:txBody>
-          <a:bodyPr wrap="square">
-            <a:spAutoFit/>
-          </a:bodyPr>
-          <a:lstStyle/>
-          <a:p>
-            <a:r>
-              <a:rPr lang="ru-RU" sz="3600" dirty="0">
-                <a:effectLst>
-                  <a:outerShdw blurRad="38100" dist="38100" dir="2700000" algn="tl">
-                    <a:srgbClr val="000000">
-                      <a:alpha val="43137"/>
-                    </a:srgbClr>
-                  </a:outerShdw>
-                </a:effectLst>
-                <a:latin typeface="Times New Roman" panose="02020603050405020304" pitchFamily="18" charset="0"/>
-                <a:cs typeface="Times New Roman" panose="02020603050405020304" pitchFamily="18" charset="0"/>
-              </a:rPr>
-              <a:t>9/13</a:t>
-            </a:r>
-            <a:endParaRPr lang="ru-RU" sz="3600" dirty="0"/>
-          </a:p>
-        </p:txBody>
-      </p:sp>
-      <p:pic>
-        <p:nvPicPr>
-          <p:cNvPr id="5" name="Рисунок 4">
-            <a:extLst>
-              <a:ext uri="{FF2B5EF4-FFF2-40B4-BE49-F238E27FC236}">
-                <a16:creationId xmlns:a16="http://schemas.microsoft.com/office/drawing/2014/main" id="{6D65DE02-A34C-4DB3-811E-B728AE1F7698}"/>
-              </a:ext>
-            </a:extLst>
-          </p:cNvPr>
-          <p:cNvPicPr>
-            <a:picLocks noChangeAspect="1"/>
-          </p:cNvPicPr>
-          <p:nvPr/>
-        </p:nvPicPr>
-        <p:blipFill>
-          <a:blip r:embed="rId2"/>
-          <a:stretch>
-            <a:fillRect/>
-          </a:stretch>
-        </p:blipFill>
-        <p:spPr>
-          <a:xfrm>
-            <a:off x="535189" y="1783613"/>
-            <a:ext cx="11121622" cy="3946382"/>
-          </a:xfrm>
-          <a:prstGeom prst="rect">
-            <a:avLst/>
-          </a:prstGeom>
-        </p:spPr>
-      </p:pic>
-      <p:pic>
-        <p:nvPicPr>
-          <p:cNvPr id="7" name="Picture 4">
-            <a:extLst>
-              <a:ext uri="{FF2B5EF4-FFF2-40B4-BE49-F238E27FC236}">
-                <a16:creationId xmlns:a16="http://schemas.microsoft.com/office/drawing/2014/main" id="{09045813-0A66-427B-B91C-829CFFCA3858}"/>
-              </a:ext>
-            </a:extLst>
-          </p:cNvPr>
-          <p:cNvPicPr>
-            <a:picLocks noChangeAspect="1" noChangeArrowheads="1"/>
-          </p:cNvPicPr>
-          <p:nvPr/>
-        </p:nvPicPr>
-        <p:blipFill>
-          <a:blip r:embed="rId3">
-            <a:extLst>
-              <a:ext uri="{28A0092B-C50C-407E-A947-70E740481C1C}">
-                <a14:useLocalDpi xmlns:a14="http://schemas.microsoft.com/office/drawing/2010/main" val="0"/>
-              </a:ext>
-            </a:extLst>
-          </a:blip>
-          <a:srcRect/>
-          <a:stretch>
-            <a:fillRect/>
-          </a:stretch>
-        </p:blipFill>
-        <p:spPr bwMode="auto">
-          <a:xfrm>
-            <a:off x="10629901" y="-5340"/>
-            <a:ext cx="1562099" cy="1562099"/>
-          </a:xfrm>
-          <a:prstGeom prst="rect">
-            <a:avLst/>
-          </a:prstGeom>
-          <a:noFill/>
-          <a:extLst>
-            <a:ext uri="{909E8E84-426E-40DD-AFC4-6F175D3DCCD1}">
-              <a14:hiddenFill xmlns:a14="http://schemas.microsoft.com/office/drawing/2010/main">
-                <a:solidFill>
-                  <a:srgbClr val="FFFFFF"/>
-                </a:solidFill>
-              </a14:hiddenFill>
-            </a:ext>
-          </a:extLst>
-        </p:spPr>
-      </p:pic>
-    </p:spTree>
-    <p:extLst>
-      <p:ext uri="{BB962C8B-B14F-4D97-AF65-F5344CB8AC3E}">
-        <p14:creationId xmlns:p14="http://schemas.microsoft.com/office/powerpoint/2010/main" val="2140662777"/>
       </p:ext>
     </p:extLst>
   </p:cSld>
